--- a/StrassenAlg/docu/The Strassen Algorithm_v3.pptx
+++ b/StrassenAlg/docu/The Strassen Algorithm_v3.pptx
@@ -1,20 +1,20 @@
 
 <file path=ppt/presentation.xml><?xml version="1.0" encoding="utf-8"?>
-<p:presentation xmlns:a="http://schemas.openxmlformats.org/drawingml/2006/main" xmlns:r="http://schemas.openxmlformats.org/officeDocument/2006/relationships" xmlns:p="http://schemas.openxmlformats.org/presentationml/2006/main" xmlns:m="http://schemas.openxmlformats.org/officeDocument/2006/math" xmlns:a14="http://schemas.microsoft.com/office/drawing/2010/main">
+<p:presentation xmlns:a="http://schemas.openxmlformats.org/drawingml/2006/main" xmlns:r="http://schemas.openxmlformats.org/officeDocument/2006/relationships" xmlns:p="http://schemas.openxmlformats.org/presentationml/2006/main">
   <p:sldMasterIdLst>
-    <p:sldMasterId id="2147483648" r:id="rId5"/>
+    <p:sldMasterId id="2147483648" r:id="rId1"/>
   </p:sldMasterIdLst>
   <p:notesMasterIdLst>
-    <p:notesMasterId r:id="rId7"/>
+    <p:notesMasterId r:id="rId9"/>
   </p:notesMasterIdLst>
   <p:sldIdLst>
-    <p:sldId id="256" r:id="rId8"/>
-    <p:sldId id="257" r:id="rId9"/>
-    <p:sldId id="258" r:id="rId10"/>
-    <p:sldId id="259" r:id="rId11"/>
-    <p:sldId id="260" r:id="rId12"/>
-    <p:sldId id="261" r:id="rId13"/>
-    <p:sldId id="262" r:id="rId14"/>
+    <p:sldId id="256" r:id="rId2"/>
+    <p:sldId id="257" r:id="rId3"/>
+    <p:sldId id="258" r:id="rId4"/>
+    <p:sldId id="259" r:id="rId5"/>
+    <p:sldId id="260" r:id="rId6"/>
+    <p:sldId id="261" r:id="rId7"/>
+    <p:sldId id="262" r:id="rId8"/>
   </p:sldIdLst>
   <p:sldSz cx="12192000" cy="6858000"/>
   <p:notesSz cx="6858000" cy="9144000"/>
@@ -34,7 +34,7 @@
       <a:buFontTx/>
       <a:buNone/>
       <a:tabLst/>
-      <a:defRPr b="0" baseline="0" cap="none" i="0" spc="0" strike="noStrike" sz="1800" u="none" kumimoji="0" normalizeH="0">
+      <a:defRPr kumimoji="0" sz="1800" b="0" i="0" u="none" strike="noStrike" cap="none" spc="0" normalizeH="0" baseline="0">
         <a:ln>
           <a:noFill/>
         </a:ln>
@@ -60,7 +60,7 @@
       <a:buFontTx/>
       <a:buNone/>
       <a:tabLst/>
-      <a:defRPr b="0" baseline="0" cap="none" i="0" spc="0" strike="noStrike" sz="1800" u="none" kumimoji="0" normalizeH="0">
+      <a:defRPr kumimoji="0" sz="1800" b="0" i="0" u="none" strike="noStrike" cap="none" spc="0" normalizeH="0" baseline="0">
         <a:ln>
           <a:noFill/>
         </a:ln>
@@ -90,7 +90,7 @@
       <a:buFontTx/>
       <a:buNone/>
       <a:tabLst/>
-      <a:defRPr b="0" baseline="0" cap="none" i="0" spc="0" strike="noStrike" sz="1800" u="none" kumimoji="0" normalizeH="0">
+      <a:defRPr kumimoji="0" sz="1800" b="0" i="0" u="none" strike="noStrike" cap="none" spc="0" normalizeH="0" baseline="0">
         <a:ln>
           <a:noFill/>
         </a:ln>
@@ -120,7 +120,7 @@
       <a:buFontTx/>
       <a:buNone/>
       <a:tabLst/>
-      <a:defRPr b="0" baseline="0" cap="none" i="0" spc="0" strike="noStrike" sz="1800" u="none" kumimoji="0" normalizeH="0">
+      <a:defRPr kumimoji="0" sz="1800" b="0" i="0" u="none" strike="noStrike" cap="none" spc="0" normalizeH="0" baseline="0">
         <a:ln>
           <a:noFill/>
         </a:ln>
@@ -150,7 +150,7 @@
       <a:buFontTx/>
       <a:buNone/>
       <a:tabLst/>
-      <a:defRPr b="0" baseline="0" cap="none" i="0" spc="0" strike="noStrike" sz="1800" u="none" kumimoji="0" normalizeH="0">
+      <a:defRPr kumimoji="0" sz="1800" b="0" i="0" u="none" strike="noStrike" cap="none" spc="0" normalizeH="0" baseline="0">
         <a:ln>
           <a:noFill/>
         </a:ln>
@@ -180,7 +180,7 @@
       <a:buFontTx/>
       <a:buNone/>
       <a:tabLst/>
-      <a:defRPr b="0" baseline="0" cap="none" i="0" spc="0" strike="noStrike" sz="1800" u="none" kumimoji="0" normalizeH="0">
+      <a:defRPr kumimoji="0" sz="1800" b="0" i="0" u="none" strike="noStrike" cap="none" spc="0" normalizeH="0" baseline="0">
         <a:ln>
           <a:noFill/>
         </a:ln>
@@ -210,7 +210,7 @@
       <a:buFontTx/>
       <a:buNone/>
       <a:tabLst/>
-      <a:defRPr b="0" baseline="0" cap="none" i="0" spc="0" strike="noStrike" sz="1800" u="none" kumimoji="0" normalizeH="0">
+      <a:defRPr kumimoji="0" sz="1800" b="0" i="0" u="none" strike="noStrike" cap="none" spc="0" normalizeH="0" baseline="0">
         <a:ln>
           <a:noFill/>
         </a:ln>
@@ -240,7 +240,7 @@
       <a:buFontTx/>
       <a:buNone/>
       <a:tabLst/>
-      <a:defRPr b="0" baseline="0" cap="none" i="0" spc="0" strike="noStrike" sz="1800" u="none" kumimoji="0" normalizeH="0">
+      <a:defRPr kumimoji="0" sz="1800" b="0" i="0" u="none" strike="noStrike" cap="none" spc="0" normalizeH="0" baseline="0">
         <a:ln>
           <a:noFill/>
         </a:ln>
@@ -270,7 +270,7 @@
       <a:buFontTx/>
       <a:buNone/>
       <a:tabLst/>
-      <a:defRPr b="0" baseline="0" cap="none" i="0" spc="0" strike="noStrike" sz="1800" u="none" kumimoji="0" normalizeH="0">
+      <a:defRPr kumimoji="0" sz="1800" b="0" i="0" u="none" strike="noStrike" cap="none" spc="0" normalizeH="0" baseline="0">
         <a:ln>
           <a:noFill/>
         </a:ln>
@@ -300,7 +300,7 @@
       <a:buFontTx/>
       <a:buNone/>
       <a:tabLst/>
-      <a:defRPr b="0" baseline="0" cap="none" i="0" spc="0" strike="noStrike" sz="1800" u="none" kumimoji="0" normalizeH="0">
+      <a:defRPr kumimoji="0" sz="1800" b="0" i="0" u="none" strike="noStrike" cap="none" spc="0" normalizeH="0" baseline="0">
         <a:ln>
           <a:noFill/>
         </a:ln>
@@ -319,13 +319,14 @@
 </p:presentation>
 </file>
 
-<file path=ppt/commentAuthors.xml><?xml version="1.0" encoding="utf-8"?>
-<p:cmAuthorLst xmlns:a="http://schemas.openxmlformats.org/drawingml/2006/main" xmlns:r="http://schemas.openxmlformats.org/officeDocument/2006/relationships" xmlns:p="http://schemas.openxmlformats.org/presentationml/2006/main" xmlns:m="http://schemas.openxmlformats.org/officeDocument/2006/math" xmlns:a14="http://schemas.microsoft.com/office/drawing/2010/main"/>
-</file>
-
 <file path=ppt/notesMasters/notesMaster1.xml><?xml version="1.0" encoding="utf-8"?>
-<p:notesMaster xmlns:a="http://schemas.openxmlformats.org/drawingml/2006/main" xmlns:r="http://schemas.openxmlformats.org/officeDocument/2006/relationships" xmlns:p="http://schemas.openxmlformats.org/presentationml/2006/main" xmlns:m="http://schemas.openxmlformats.org/officeDocument/2006/math" xmlns:a14="http://schemas.microsoft.com/office/drawing/2010/main">
+<p:notesMaster xmlns:a="http://schemas.openxmlformats.org/drawingml/2006/main" xmlns:r="http://schemas.openxmlformats.org/officeDocument/2006/relationships" xmlns:p="http://schemas.openxmlformats.org/presentationml/2006/main">
   <p:cSld>
+    <p:bg>
+      <p:bgRef idx="1001">
+        <a:schemeClr val="bg1"/>
+      </p:bgRef>
+    </p:bg>
     <p:spTree>
       <p:nvGrpSpPr>
         <p:cNvPr id="1" name=""/>
@@ -343,7 +344,9 @@
       <p:sp>
         <p:nvSpPr>
           <p:cNvPr id="92" name="Shape 92"/>
-          <p:cNvSpPr/>
+          <p:cNvSpPr>
+            <a:spLocks noGrp="1" noRot="1" noChangeAspect="1"/>
+          </p:cNvSpPr>
           <p:nvPr>
             <p:ph type="sldImg"/>
           </p:nvPr>
@@ -361,14 +364,16 @@
           <a:bodyPr/>
           <a:lstStyle/>
           <a:p>
-            <a:pPr/>
+            <a:endParaRPr/>
           </a:p>
         </p:txBody>
       </p:sp>
       <p:sp>
         <p:nvSpPr>
           <p:cNvPr id="93" name="Shape 93"/>
-          <p:cNvSpPr/>
+          <p:cNvSpPr>
+            <a:spLocks noGrp="1"/>
+          </p:cNvSpPr>
           <p:nvPr>
             <p:ph type="body" sz="quarter" idx="1"/>
           </p:nvPr>
@@ -386,7 +391,7 @@
           <a:bodyPr/>
           <a:lstStyle/>
           <a:p>
-            <a:pPr/>
+            <a:endParaRPr/>
           </a:p>
         </p:txBody>
       </p:sp>
@@ -471,7 +476,7 @@
 </file>
 
 <file path=ppt/notesSlides/notesSlide1.xml><?xml version="1.0" encoding="utf-8"?>
-<p:notes xmlns:a="http://schemas.openxmlformats.org/drawingml/2006/main" xmlns:r="http://schemas.openxmlformats.org/officeDocument/2006/relationships" xmlns:p="http://schemas.openxmlformats.org/presentationml/2006/main" xmlns:m="http://schemas.openxmlformats.org/officeDocument/2006/math" xmlns:a14="http://schemas.microsoft.com/office/drawing/2010/main" showMasterSp="1" showMasterPhAnim="1">
+<p:notes xmlns:a="http://schemas.openxmlformats.org/drawingml/2006/main" xmlns:r="http://schemas.openxmlformats.org/officeDocument/2006/relationships" xmlns:p="http://schemas.openxmlformats.org/presentationml/2006/main">
   <p:cSld>
     <p:spTree>
       <p:nvGrpSpPr>
@@ -490,7 +495,9 @@
       <p:sp>
         <p:nvSpPr>
           <p:cNvPr id="111" name="Shape 111"/>
-          <p:cNvSpPr/>
+          <p:cNvSpPr>
+            <a:spLocks noGrp="1" noRot="1" noChangeAspect="1"/>
+          </p:cNvSpPr>
           <p:nvPr>
             <p:ph type="sldImg"/>
           </p:nvPr>
@@ -504,14 +511,16 @@
           <a:bodyPr/>
           <a:lstStyle/>
           <a:p>
-            <a:pPr/>
+            <a:endParaRPr/>
           </a:p>
         </p:txBody>
       </p:sp>
       <p:sp>
         <p:nvSpPr>
           <p:cNvPr id="112" name="Shape 112"/>
-          <p:cNvSpPr/>
+          <p:cNvSpPr>
+            <a:spLocks noGrp="1"/>
+          </p:cNvSpPr>
           <p:nvPr>
             <p:ph type="body" sz="quarter" idx="1"/>
           </p:nvPr>
@@ -525,7 +534,6 @@
           <a:bodyPr/>
           <a:lstStyle/>
           <a:p>
-            <a:pPr/>
             <a:r>
               <a:t>Der Schmäh ist ja die Redukion auf 7 multiplikationen…sollte man erwähnen. Kann man vlt auch erst später mit Animation einblenden</a:t>
             </a:r>
@@ -541,7 +549,7 @@
 </file>
 
 <file path=ppt/notesSlides/notesSlide2.xml><?xml version="1.0" encoding="utf-8"?>
-<p:notes xmlns:a="http://schemas.openxmlformats.org/drawingml/2006/main" xmlns:r="http://schemas.openxmlformats.org/officeDocument/2006/relationships" xmlns:p="http://schemas.openxmlformats.org/presentationml/2006/main" xmlns:m="http://schemas.openxmlformats.org/officeDocument/2006/math" xmlns:a14="http://schemas.microsoft.com/office/drawing/2010/main" showMasterSp="1" showMasterPhAnim="1">
+<p:notes xmlns:a="http://schemas.openxmlformats.org/drawingml/2006/main" xmlns:r="http://schemas.openxmlformats.org/officeDocument/2006/relationships" xmlns:p="http://schemas.openxmlformats.org/presentationml/2006/main">
   <p:cSld>
     <p:spTree>
       <p:nvGrpSpPr>
@@ -560,7 +568,9 @@
       <p:sp>
         <p:nvSpPr>
           <p:cNvPr id="128" name="Shape 128"/>
-          <p:cNvSpPr/>
+          <p:cNvSpPr>
+            <a:spLocks noGrp="1" noRot="1" noChangeAspect="1"/>
+          </p:cNvSpPr>
           <p:nvPr>
             <p:ph type="sldImg"/>
           </p:nvPr>
@@ -574,14 +584,16 @@
           <a:bodyPr/>
           <a:lstStyle/>
           <a:p>
-            <a:pPr/>
+            <a:endParaRPr/>
           </a:p>
         </p:txBody>
       </p:sp>
       <p:sp>
         <p:nvSpPr>
           <p:cNvPr id="129" name="Shape 129"/>
-          <p:cNvSpPr/>
+          <p:cNvSpPr>
+            <a:spLocks noGrp="1"/>
+          </p:cNvSpPr>
           <p:nvPr>
             <p:ph type="body" sz="quarter" idx="1"/>
           </p:nvPr>
@@ -595,13 +607,11 @@
           <a:bodyPr/>
           <a:lstStyle/>
           <a:p>
-            <a:pPr/>
             <a:r>
               <a:t>Hätte die rechte seite gern dabei, damit ich nochmal zeigen kann, woher die 7 und 18 in der complexity analysis kommen</a:t>
             </a:r>
           </a:p>
           <a:p>
-            <a:pPr/>
             <a:r>
               <a:t>:Daumen-nach-oben:</a:t>
             </a:r>
@@ -617,7 +627,7 @@
 </file>
 
 <file path=ppt/notesSlides/notesSlide3.xml><?xml version="1.0" encoding="utf-8"?>
-<p:notes xmlns:a="http://schemas.openxmlformats.org/drawingml/2006/main" xmlns:r="http://schemas.openxmlformats.org/officeDocument/2006/relationships" xmlns:p="http://schemas.openxmlformats.org/presentationml/2006/main" xmlns:m="http://schemas.openxmlformats.org/officeDocument/2006/math" xmlns:a14="http://schemas.microsoft.com/office/drawing/2010/main" showMasterSp="1" showMasterPhAnim="1">
+<p:notes xmlns:a="http://schemas.openxmlformats.org/drawingml/2006/main" xmlns:r="http://schemas.openxmlformats.org/officeDocument/2006/relationships" xmlns:p="http://schemas.openxmlformats.org/presentationml/2006/main">
   <p:cSld>
     <p:spTree>
       <p:nvGrpSpPr>
@@ -636,7 +646,9 @@
       <p:sp>
         <p:nvSpPr>
           <p:cNvPr id="187" name="Shape 187"/>
-          <p:cNvSpPr/>
+          <p:cNvSpPr>
+            <a:spLocks noGrp="1" noRot="1" noChangeAspect="1"/>
+          </p:cNvSpPr>
           <p:nvPr>
             <p:ph type="sldImg"/>
           </p:nvPr>
@@ -650,14 +662,16 @@
           <a:bodyPr/>
           <a:lstStyle/>
           <a:p>
-            <a:pPr/>
+            <a:endParaRPr/>
           </a:p>
         </p:txBody>
       </p:sp>
       <p:sp>
         <p:nvSpPr>
           <p:cNvPr id="188" name="Shape 188"/>
-          <p:cNvSpPr/>
+          <p:cNvSpPr>
+            <a:spLocks noGrp="1"/>
+          </p:cNvSpPr>
           <p:nvPr>
             <p:ph type="body" sz="quarter" idx="1"/>
           </p:nvPr>
@@ -671,7 +685,6 @@
           <a:bodyPr/>
           <a:lstStyle/>
           <a:p>
-            <a:pPr/>
             <a:r>
               <a:t>Mein Vorschlag: 2 Varianten des Bildes. Erst beim zweiten ist die Kombination dabei -&gt; dafür da vlt dann 2 variaten (min_size = 2 bzw 4 zb)</a:t>
             </a:r>
@@ -687,7 +700,7 @@
 </file>
 
 <file path=ppt/slideLayouts/slideLayout1.xml><?xml version="1.0" encoding="utf-8"?>
-<p:sldLayout xmlns:a="http://schemas.openxmlformats.org/drawingml/2006/main" xmlns:r="http://schemas.openxmlformats.org/officeDocument/2006/relationships" xmlns:p="http://schemas.openxmlformats.org/presentationml/2006/main" xmlns:m="http://schemas.openxmlformats.org/officeDocument/2006/math" xmlns:a14="http://schemas.microsoft.com/office/drawing/2010/main" type="title" showMasterSp="1" showMasterPhAnim="1">
+<p:sldLayout xmlns:a="http://schemas.openxmlformats.org/drawingml/2006/main" xmlns:r="http://schemas.openxmlformats.org/officeDocument/2006/relationships" xmlns:p="http://schemas.openxmlformats.org/presentationml/2006/main" type="title">
   <p:cSld name="Titelfolie">
     <p:spTree>
       <p:nvGrpSpPr>
@@ -706,7 +719,9 @@
       <p:sp>
         <p:nvSpPr>
           <p:cNvPr id="11" name="Titeltext"/>
-          <p:cNvSpPr txBox="1"/>
+          <p:cNvSpPr txBox="1">
+            <a:spLocks noGrp="1"/>
+          </p:cNvSpPr>
           <p:nvPr>
             <p:ph type="title"/>
           </p:nvPr>
@@ -728,7 +743,6 @@
             </a:lvl1pPr>
           </a:lstStyle>
           <a:p>
-            <a:pPr/>
             <a:r>
               <a:t>Titeltext</a:t>
             </a:r>
@@ -738,7 +752,9 @@
       <p:sp>
         <p:nvSpPr>
           <p:cNvPr id="12" name="Textebene 1…"/>
-          <p:cNvSpPr txBox="1"/>
+          <p:cNvSpPr txBox="1">
+            <a:spLocks noGrp="1"/>
+          </p:cNvSpPr>
           <p:nvPr>
             <p:ph type="body" sz="quarter" idx="1"/>
           </p:nvPr>
@@ -787,7 +803,6 @@
             </a:lvl5pPr>
           </a:lstStyle>
           <a:p>
-            <a:pPr/>
             <a:r>
               <a:t>Textebene 1</a:t>
             </a:r>
@@ -821,7 +836,9 @@
       <p:sp>
         <p:nvSpPr>
           <p:cNvPr id="13" name="Foliennummer"/>
-          <p:cNvSpPr txBox="1"/>
+          <p:cNvSpPr txBox="1">
+            <a:spLocks noGrp="1"/>
+          </p:cNvSpPr>
           <p:nvPr>
             <p:ph type="sldNum" sz="quarter" idx="2"/>
           </p:nvPr>
@@ -835,8 +852,10 @@
           <a:bodyPr/>
           <a:lstStyle/>
           <a:p>
-            <a:pPr/>
-            <a:fld id="{86CB4B4D-7CA3-9044-876B-883B54F8677D}" type="slidenum"/>
+            <a:fld id="{86CB4B4D-7CA3-9044-876B-883B54F8677D}" type="slidenum">
+              <a:t>‹Nr.›</a:t>
+            </a:fld>
+            <a:endParaRPr/>
           </a:p>
         </p:txBody>
       </p:sp>
@@ -845,12 +864,12 @@
   <p:clrMapOvr>
     <a:masterClrMapping/>
   </p:clrMapOvr>
-  <p:transition xmlns:p14="http://schemas.microsoft.com/office/powerpoint/2010/main" spd="med" advClick="1"/>
+  <p:transition spd="med"/>
 </p:sldLayout>
 </file>
 
 <file path=ppt/slideLayouts/slideLayout2.xml><?xml version="1.0" encoding="utf-8"?>
-<p:sldLayout xmlns:a="http://schemas.openxmlformats.org/drawingml/2006/main" xmlns:r="http://schemas.openxmlformats.org/officeDocument/2006/relationships" xmlns:p="http://schemas.openxmlformats.org/presentationml/2006/main" xmlns:m="http://schemas.openxmlformats.org/officeDocument/2006/math" xmlns:a14="http://schemas.microsoft.com/office/drawing/2010/main" type="tx" showMasterSp="1" showMasterPhAnim="1">
+<p:sldLayout xmlns:a="http://schemas.openxmlformats.org/drawingml/2006/main" xmlns:r="http://schemas.openxmlformats.org/officeDocument/2006/relationships" xmlns:p="http://schemas.openxmlformats.org/presentationml/2006/main" type="tx">
   <p:cSld name="Titel und Inhalt">
     <p:spTree>
       <p:nvGrpSpPr>
@@ -869,7 +888,9 @@
       <p:sp>
         <p:nvSpPr>
           <p:cNvPr id="20" name="Titeltext"/>
-          <p:cNvSpPr txBox="1"/>
+          <p:cNvSpPr txBox="1">
+            <a:spLocks noGrp="1"/>
+          </p:cNvSpPr>
           <p:nvPr>
             <p:ph type="title"/>
           </p:nvPr>
@@ -883,7 +904,6 @@
           <a:bodyPr/>
           <a:lstStyle/>
           <a:p>
-            <a:pPr/>
             <a:r>
               <a:t>Titeltext</a:t>
             </a:r>
@@ -893,7 +913,9 @@
       <p:sp>
         <p:nvSpPr>
           <p:cNvPr id="21" name="Textebene 1…"/>
-          <p:cNvSpPr txBox="1"/>
+          <p:cNvSpPr txBox="1">
+            <a:spLocks noGrp="1"/>
+          </p:cNvSpPr>
           <p:nvPr>
             <p:ph type="body" idx="1"/>
           </p:nvPr>
@@ -907,7 +929,6 @@
           <a:bodyPr/>
           <a:lstStyle/>
           <a:p>
-            <a:pPr/>
             <a:r>
               <a:t>Textebene 1</a:t>
             </a:r>
@@ -941,7 +962,9 @@
       <p:sp>
         <p:nvSpPr>
           <p:cNvPr id="22" name="Foliennummer"/>
-          <p:cNvSpPr txBox="1"/>
+          <p:cNvSpPr txBox="1">
+            <a:spLocks noGrp="1"/>
+          </p:cNvSpPr>
           <p:nvPr>
             <p:ph type="sldNum" sz="quarter" idx="2"/>
           </p:nvPr>
@@ -955,8 +978,10 @@
           <a:bodyPr/>
           <a:lstStyle/>
           <a:p>
-            <a:pPr/>
-            <a:fld id="{86CB4B4D-7CA3-9044-876B-883B54F8677D}" type="slidenum"/>
+            <a:fld id="{86CB4B4D-7CA3-9044-876B-883B54F8677D}" type="slidenum">
+              <a:t>‹Nr.›</a:t>
+            </a:fld>
+            <a:endParaRPr/>
           </a:p>
         </p:txBody>
       </p:sp>
@@ -965,12 +990,12 @@
   <p:clrMapOvr>
     <a:masterClrMapping/>
   </p:clrMapOvr>
-  <p:transition xmlns:p14="http://schemas.microsoft.com/office/powerpoint/2010/main" spd="med" advClick="1"/>
+  <p:transition spd="med"/>
 </p:sldLayout>
 </file>
 
 <file path=ppt/slideLayouts/slideLayout3.xml><?xml version="1.0" encoding="utf-8"?>
-<p:sldLayout xmlns:a="http://schemas.openxmlformats.org/drawingml/2006/main" xmlns:r="http://schemas.openxmlformats.org/officeDocument/2006/relationships" xmlns:p="http://schemas.openxmlformats.org/presentationml/2006/main" xmlns:m="http://schemas.openxmlformats.org/officeDocument/2006/math" xmlns:a14="http://schemas.microsoft.com/office/drawing/2010/main" type="tx" showMasterSp="1" showMasterPhAnim="1">
+<p:sldLayout xmlns:a="http://schemas.openxmlformats.org/drawingml/2006/main" xmlns:r="http://schemas.openxmlformats.org/officeDocument/2006/relationships" xmlns:p="http://schemas.openxmlformats.org/presentationml/2006/main" type="tx">
   <p:cSld name="Abschnitts-&#10;überschrift">
     <p:spTree>
       <p:nvGrpSpPr>
@@ -989,7 +1014,9 @@
       <p:sp>
         <p:nvSpPr>
           <p:cNvPr id="29" name="Titeltext"/>
-          <p:cNvSpPr txBox="1"/>
+          <p:cNvSpPr txBox="1">
+            <a:spLocks noGrp="1"/>
+          </p:cNvSpPr>
           <p:nvPr>
             <p:ph type="title"/>
           </p:nvPr>
@@ -1011,7 +1038,6 @@
             </a:lvl1pPr>
           </a:lstStyle>
           <a:p>
-            <a:pPr/>
             <a:r>
               <a:t>Titeltext</a:t>
             </a:r>
@@ -1021,7 +1047,9 @@
       <p:sp>
         <p:nvSpPr>
           <p:cNvPr id="30" name="Textebene 1…"/>
-          <p:cNvSpPr txBox="1"/>
+          <p:cNvSpPr txBox="1">
+            <a:spLocks noGrp="1"/>
+          </p:cNvSpPr>
           <p:nvPr>
             <p:ph type="body" sz="quarter" idx="1"/>
           </p:nvPr>
@@ -1090,7 +1118,6 @@
             </a:lvl5pPr>
           </a:lstStyle>
           <a:p>
-            <a:pPr/>
             <a:r>
               <a:t>Textebene 1</a:t>
             </a:r>
@@ -1124,7 +1151,9 @@
       <p:sp>
         <p:nvSpPr>
           <p:cNvPr id="31" name="Foliennummer"/>
-          <p:cNvSpPr txBox="1"/>
+          <p:cNvSpPr txBox="1">
+            <a:spLocks noGrp="1"/>
+          </p:cNvSpPr>
           <p:nvPr>
             <p:ph type="sldNum" sz="quarter" idx="2"/>
           </p:nvPr>
@@ -1138,8 +1167,10 @@
           <a:bodyPr/>
           <a:lstStyle/>
           <a:p>
-            <a:pPr/>
-            <a:fld id="{86CB4B4D-7CA3-9044-876B-883B54F8677D}" type="slidenum"/>
+            <a:fld id="{86CB4B4D-7CA3-9044-876B-883B54F8677D}" type="slidenum">
+              <a:t>‹Nr.›</a:t>
+            </a:fld>
+            <a:endParaRPr/>
           </a:p>
         </p:txBody>
       </p:sp>
@@ -1148,12 +1179,12 @@
   <p:clrMapOvr>
     <a:masterClrMapping/>
   </p:clrMapOvr>
-  <p:transition xmlns:p14="http://schemas.microsoft.com/office/powerpoint/2010/main" spd="med" advClick="1"/>
+  <p:transition spd="med"/>
 </p:sldLayout>
 </file>
 
 <file path=ppt/slideLayouts/slideLayout4.xml><?xml version="1.0" encoding="utf-8"?>
-<p:sldLayout xmlns:a="http://schemas.openxmlformats.org/drawingml/2006/main" xmlns:r="http://schemas.openxmlformats.org/officeDocument/2006/relationships" xmlns:p="http://schemas.openxmlformats.org/presentationml/2006/main" xmlns:m="http://schemas.openxmlformats.org/officeDocument/2006/math" xmlns:a14="http://schemas.microsoft.com/office/drawing/2010/main" type="tx" showMasterSp="1" showMasterPhAnim="1">
+<p:sldLayout xmlns:a="http://schemas.openxmlformats.org/drawingml/2006/main" xmlns:r="http://schemas.openxmlformats.org/officeDocument/2006/relationships" xmlns:p="http://schemas.openxmlformats.org/presentationml/2006/main" type="tx">
   <p:cSld name="Zwei Inhalte">
     <p:spTree>
       <p:nvGrpSpPr>
@@ -1172,7 +1203,9 @@
       <p:sp>
         <p:nvSpPr>
           <p:cNvPr id="38" name="Titeltext"/>
-          <p:cNvSpPr txBox="1"/>
+          <p:cNvSpPr txBox="1">
+            <a:spLocks noGrp="1"/>
+          </p:cNvSpPr>
           <p:nvPr>
             <p:ph type="title"/>
           </p:nvPr>
@@ -1186,7 +1219,6 @@
           <a:bodyPr/>
           <a:lstStyle/>
           <a:p>
-            <a:pPr/>
             <a:r>
               <a:t>Titeltext</a:t>
             </a:r>
@@ -1196,7 +1228,9 @@
       <p:sp>
         <p:nvSpPr>
           <p:cNvPr id="39" name="Textebene 1…"/>
-          <p:cNvSpPr txBox="1"/>
+          <p:cNvSpPr txBox="1">
+            <a:spLocks noGrp="1"/>
+          </p:cNvSpPr>
           <p:nvPr>
             <p:ph type="body" sz="half" idx="1"/>
           </p:nvPr>
@@ -1214,7 +1248,6 @@
           <a:bodyPr/>
           <a:lstStyle/>
           <a:p>
-            <a:pPr/>
             <a:r>
               <a:t>Textebene 1</a:t>
             </a:r>
@@ -1248,7 +1281,9 @@
       <p:sp>
         <p:nvSpPr>
           <p:cNvPr id="40" name="Foliennummer"/>
-          <p:cNvSpPr txBox="1"/>
+          <p:cNvSpPr txBox="1">
+            <a:spLocks noGrp="1"/>
+          </p:cNvSpPr>
           <p:nvPr>
             <p:ph type="sldNum" sz="quarter" idx="2"/>
           </p:nvPr>
@@ -1262,8 +1297,10 @@
           <a:bodyPr/>
           <a:lstStyle/>
           <a:p>
-            <a:pPr/>
-            <a:fld id="{86CB4B4D-7CA3-9044-876B-883B54F8677D}" type="slidenum"/>
+            <a:fld id="{86CB4B4D-7CA3-9044-876B-883B54F8677D}" type="slidenum">
+              <a:t>‹Nr.›</a:t>
+            </a:fld>
+            <a:endParaRPr/>
           </a:p>
         </p:txBody>
       </p:sp>
@@ -1272,12 +1309,12 @@
   <p:clrMapOvr>
     <a:masterClrMapping/>
   </p:clrMapOvr>
-  <p:transition xmlns:p14="http://schemas.microsoft.com/office/powerpoint/2010/main" spd="med" advClick="1"/>
+  <p:transition spd="med"/>
 </p:sldLayout>
 </file>
 
 <file path=ppt/slideLayouts/slideLayout5.xml><?xml version="1.0" encoding="utf-8"?>
-<p:sldLayout xmlns:a="http://schemas.openxmlformats.org/drawingml/2006/main" xmlns:r="http://schemas.openxmlformats.org/officeDocument/2006/relationships" xmlns:p="http://schemas.openxmlformats.org/presentationml/2006/main" xmlns:m="http://schemas.openxmlformats.org/officeDocument/2006/math" xmlns:a14="http://schemas.microsoft.com/office/drawing/2010/main" type="tx" showMasterSp="1" showMasterPhAnim="1">
+<p:sldLayout xmlns:a="http://schemas.openxmlformats.org/drawingml/2006/main" xmlns:r="http://schemas.openxmlformats.org/officeDocument/2006/relationships" xmlns:p="http://schemas.openxmlformats.org/presentationml/2006/main" type="tx">
   <p:cSld name="Vergleich">
     <p:spTree>
       <p:nvGrpSpPr>
@@ -1296,7 +1333,9 @@
       <p:sp>
         <p:nvSpPr>
           <p:cNvPr id="47" name="Titeltext"/>
-          <p:cNvSpPr txBox="1"/>
+          <p:cNvSpPr txBox="1">
+            <a:spLocks noGrp="1"/>
+          </p:cNvSpPr>
           <p:nvPr>
             <p:ph type="title"/>
           </p:nvPr>
@@ -1314,7 +1353,6 @@
           <a:bodyPr/>
           <a:lstStyle/>
           <a:p>
-            <a:pPr/>
             <a:r>
               <a:t>Titeltext</a:t>
             </a:r>
@@ -1324,7 +1362,9 @@
       <p:sp>
         <p:nvSpPr>
           <p:cNvPr id="48" name="Textebene 1…"/>
-          <p:cNvSpPr txBox="1"/>
+          <p:cNvSpPr txBox="1">
+            <a:spLocks noGrp="1"/>
+          </p:cNvSpPr>
           <p:nvPr>
             <p:ph type="body" sz="quarter" idx="1"/>
           </p:nvPr>
@@ -1345,7 +1385,7 @@
               <a:buSzTx/>
               <a:buFontTx/>
               <a:buNone/>
-              <a:defRPr b="1" sz="2400">
+              <a:defRPr sz="2400" b="1">
                 <a:latin typeface="+mn-lt"/>
                 <a:ea typeface="+mn-ea"/>
                 <a:cs typeface="+mn-cs"/>
@@ -1356,7 +1396,7 @@
               <a:buSzTx/>
               <a:buFontTx/>
               <a:buNone/>
-              <a:defRPr b="1" sz="2400">
+              <a:defRPr sz="2400" b="1">
                 <a:latin typeface="+mn-lt"/>
                 <a:ea typeface="+mn-ea"/>
                 <a:cs typeface="+mn-cs"/>
@@ -1367,7 +1407,7 @@
               <a:buSzTx/>
               <a:buFontTx/>
               <a:buNone/>
-              <a:defRPr b="1" sz="2400">
+              <a:defRPr sz="2400" b="1">
                 <a:latin typeface="+mn-lt"/>
                 <a:ea typeface="+mn-ea"/>
                 <a:cs typeface="+mn-cs"/>
@@ -1378,7 +1418,7 @@
               <a:buSzTx/>
               <a:buFontTx/>
               <a:buNone/>
-              <a:defRPr b="1" sz="2400">
+              <a:defRPr sz="2400" b="1">
                 <a:latin typeface="+mn-lt"/>
                 <a:ea typeface="+mn-ea"/>
                 <a:cs typeface="+mn-cs"/>
@@ -1389,7 +1429,7 @@
               <a:buSzTx/>
               <a:buFontTx/>
               <a:buNone/>
-              <a:defRPr b="1" sz="2400">
+              <a:defRPr sz="2400" b="1">
                 <a:latin typeface="+mn-lt"/>
                 <a:ea typeface="+mn-ea"/>
                 <a:cs typeface="+mn-cs"/>
@@ -1398,7 +1438,6 @@
             </a:lvl5pPr>
           </a:lstStyle>
           <a:p>
-            <a:pPr/>
             <a:r>
               <a:t>Textebene 1</a:t>
             </a:r>
@@ -1432,7 +1471,9 @@
       <p:sp>
         <p:nvSpPr>
           <p:cNvPr id="49" name="Textplatzhalter 4"/>
-          <p:cNvSpPr/>
+          <p:cNvSpPr>
+            <a:spLocks noGrp="1"/>
+          </p:cNvSpPr>
           <p:nvPr>
             <p:ph type="body" sz="quarter" idx="13"/>
           </p:nvPr>
@@ -1454,20 +1495,23 @@
               <a:buSzTx/>
               <a:buFontTx/>
               <a:buNone/>
-              <a:defRPr b="1" sz="2400">
+              <a:defRPr sz="2400" b="1">
                 <a:latin typeface="+mn-lt"/>
                 <a:ea typeface="+mn-ea"/>
                 <a:cs typeface="+mn-cs"/>
                 <a:sym typeface="Helvetica"/>
               </a:defRPr>
             </a:pPr>
+            <a:endParaRPr/>
           </a:p>
         </p:txBody>
       </p:sp>
       <p:sp>
         <p:nvSpPr>
           <p:cNvPr id="50" name="Foliennummer"/>
-          <p:cNvSpPr txBox="1"/>
+          <p:cNvSpPr txBox="1">
+            <a:spLocks noGrp="1"/>
+          </p:cNvSpPr>
           <p:nvPr>
             <p:ph type="sldNum" sz="quarter" idx="2"/>
           </p:nvPr>
@@ -1481,8 +1525,10 @@
           <a:bodyPr/>
           <a:lstStyle/>
           <a:p>
-            <a:pPr/>
-            <a:fld id="{86CB4B4D-7CA3-9044-876B-883B54F8677D}" type="slidenum"/>
+            <a:fld id="{86CB4B4D-7CA3-9044-876B-883B54F8677D}" type="slidenum">
+              <a:t>‹Nr.›</a:t>
+            </a:fld>
+            <a:endParaRPr/>
           </a:p>
         </p:txBody>
       </p:sp>
@@ -1491,12 +1537,12 @@
   <p:clrMapOvr>
     <a:masterClrMapping/>
   </p:clrMapOvr>
-  <p:transition xmlns:p14="http://schemas.microsoft.com/office/powerpoint/2010/main" spd="med" advClick="1"/>
+  <p:transition spd="med"/>
 </p:sldLayout>
 </file>
 
 <file path=ppt/slideLayouts/slideLayout6.xml><?xml version="1.0" encoding="utf-8"?>
-<p:sldLayout xmlns:a="http://schemas.openxmlformats.org/drawingml/2006/main" xmlns:r="http://schemas.openxmlformats.org/officeDocument/2006/relationships" xmlns:p="http://schemas.openxmlformats.org/presentationml/2006/main" xmlns:m="http://schemas.openxmlformats.org/officeDocument/2006/math" xmlns:a14="http://schemas.microsoft.com/office/drawing/2010/main" type="tx" showMasterSp="1" showMasterPhAnim="1">
+<p:sldLayout xmlns:a="http://schemas.openxmlformats.org/drawingml/2006/main" xmlns:r="http://schemas.openxmlformats.org/officeDocument/2006/relationships" xmlns:p="http://schemas.openxmlformats.org/presentationml/2006/main" type="tx">
   <p:cSld name="Nur Titel">
     <p:spTree>
       <p:nvGrpSpPr>
@@ -1515,7 +1561,9 @@
       <p:sp>
         <p:nvSpPr>
           <p:cNvPr id="57" name="Titeltext"/>
-          <p:cNvSpPr txBox="1"/>
+          <p:cNvSpPr txBox="1">
+            <a:spLocks noGrp="1"/>
+          </p:cNvSpPr>
           <p:nvPr>
             <p:ph type="title"/>
           </p:nvPr>
@@ -1529,7 +1577,6 @@
           <a:bodyPr/>
           <a:lstStyle/>
           <a:p>
-            <a:pPr/>
             <a:r>
               <a:t>Titeltext</a:t>
             </a:r>
@@ -1539,7 +1586,9 @@
       <p:sp>
         <p:nvSpPr>
           <p:cNvPr id="58" name="Foliennummer"/>
-          <p:cNvSpPr txBox="1"/>
+          <p:cNvSpPr txBox="1">
+            <a:spLocks noGrp="1"/>
+          </p:cNvSpPr>
           <p:nvPr>
             <p:ph type="sldNum" sz="quarter" idx="2"/>
           </p:nvPr>
@@ -1553,8 +1602,10 @@
           <a:bodyPr/>
           <a:lstStyle/>
           <a:p>
-            <a:pPr/>
-            <a:fld id="{86CB4B4D-7CA3-9044-876B-883B54F8677D}" type="slidenum"/>
+            <a:fld id="{86CB4B4D-7CA3-9044-876B-883B54F8677D}" type="slidenum">
+              <a:t>‹Nr.›</a:t>
+            </a:fld>
+            <a:endParaRPr/>
           </a:p>
         </p:txBody>
       </p:sp>
@@ -1563,12 +1614,12 @@
   <p:clrMapOvr>
     <a:masterClrMapping/>
   </p:clrMapOvr>
-  <p:transition xmlns:p14="http://schemas.microsoft.com/office/powerpoint/2010/main" spd="med" advClick="1"/>
+  <p:transition spd="med"/>
 </p:sldLayout>
 </file>
 
 <file path=ppt/slideLayouts/slideLayout7.xml><?xml version="1.0" encoding="utf-8"?>
-<p:sldLayout xmlns:a="http://schemas.openxmlformats.org/drawingml/2006/main" xmlns:r="http://schemas.openxmlformats.org/officeDocument/2006/relationships" xmlns:p="http://schemas.openxmlformats.org/presentationml/2006/main" xmlns:m="http://schemas.openxmlformats.org/officeDocument/2006/math" xmlns:a14="http://schemas.microsoft.com/office/drawing/2010/main" type="tx" showMasterSp="1" showMasterPhAnim="1">
+<p:sldLayout xmlns:a="http://schemas.openxmlformats.org/drawingml/2006/main" xmlns:r="http://schemas.openxmlformats.org/officeDocument/2006/relationships" xmlns:p="http://schemas.openxmlformats.org/presentationml/2006/main" type="tx">
   <p:cSld name="Leer">
     <p:spTree>
       <p:nvGrpSpPr>
@@ -1619,13 +1670,16 @@
                 </a:solidFill>
               </a:defRPr>
             </a:pPr>
+            <a:endParaRPr/>
           </a:p>
         </p:txBody>
       </p:sp>
       <p:sp>
         <p:nvSpPr>
           <p:cNvPr id="66" name="Foliennummer"/>
-          <p:cNvSpPr txBox="1"/>
+          <p:cNvSpPr txBox="1">
+            <a:spLocks noGrp="1"/>
+          </p:cNvSpPr>
           <p:nvPr>
             <p:ph type="sldNum" sz="quarter" idx="2"/>
           </p:nvPr>
@@ -1639,8 +1693,10 @@
           <a:bodyPr/>
           <a:lstStyle/>
           <a:p>
-            <a:pPr/>
-            <a:fld id="{86CB4B4D-7CA3-9044-876B-883B54F8677D}" type="slidenum"/>
+            <a:fld id="{86CB4B4D-7CA3-9044-876B-883B54F8677D}" type="slidenum">
+              <a:t>‹Nr.›</a:t>
+            </a:fld>
+            <a:endParaRPr/>
           </a:p>
         </p:txBody>
       </p:sp>
@@ -1649,12 +1705,12 @@
   <p:clrMapOvr>
     <a:masterClrMapping/>
   </p:clrMapOvr>
-  <p:transition xmlns:p14="http://schemas.microsoft.com/office/powerpoint/2010/main" spd="med" advClick="1"/>
+  <p:transition spd="med"/>
 </p:sldLayout>
 </file>
 
 <file path=ppt/slideLayouts/slideLayout8.xml><?xml version="1.0" encoding="utf-8"?>
-<p:sldLayout xmlns:a="http://schemas.openxmlformats.org/drawingml/2006/main" xmlns:r="http://schemas.openxmlformats.org/officeDocument/2006/relationships" xmlns:p="http://schemas.openxmlformats.org/presentationml/2006/main" xmlns:m="http://schemas.openxmlformats.org/officeDocument/2006/math" xmlns:a14="http://schemas.microsoft.com/office/drawing/2010/main" type="tx" showMasterSp="1" showMasterPhAnim="1">
+<p:sldLayout xmlns:a="http://schemas.openxmlformats.org/drawingml/2006/main" xmlns:r="http://schemas.openxmlformats.org/officeDocument/2006/relationships" xmlns:p="http://schemas.openxmlformats.org/presentationml/2006/main" type="tx">
   <p:cSld name="Inhalt mit Überschrift">
     <p:spTree>
       <p:nvGrpSpPr>
@@ -1673,7 +1729,9 @@
       <p:sp>
         <p:nvSpPr>
           <p:cNvPr id="73" name="Titeltext"/>
-          <p:cNvSpPr txBox="1"/>
+          <p:cNvSpPr txBox="1">
+            <a:spLocks noGrp="1"/>
+          </p:cNvSpPr>
           <p:nvPr>
             <p:ph type="title"/>
           </p:nvPr>
@@ -1695,7 +1753,6 @@
             </a:lvl1pPr>
           </a:lstStyle>
           <a:p>
-            <a:pPr/>
             <a:r>
               <a:t>Titeltext</a:t>
             </a:r>
@@ -1705,7 +1762,9 @@
       <p:sp>
         <p:nvSpPr>
           <p:cNvPr id="74" name="Textebene 1…"/>
-          <p:cNvSpPr txBox="1"/>
+          <p:cNvSpPr txBox="1">
+            <a:spLocks noGrp="1"/>
+          </p:cNvSpPr>
           <p:nvPr>
             <p:ph type="body" sz="half" idx="1"/>
           </p:nvPr>
@@ -1739,7 +1798,6 @@
             </a:lvl5pPr>
           </a:lstStyle>
           <a:p>
-            <a:pPr/>
             <a:r>
               <a:t>Textebene 1</a:t>
             </a:r>
@@ -1773,7 +1831,9 @@
       <p:sp>
         <p:nvSpPr>
           <p:cNvPr id="75" name="Textplatzhalter 3"/>
-          <p:cNvSpPr/>
+          <p:cNvSpPr>
+            <a:spLocks noGrp="1"/>
+          </p:cNvSpPr>
           <p:nvPr>
             <p:ph type="body" sz="quarter" idx="13"/>
           </p:nvPr>
@@ -1797,13 +1857,16 @@
               <a:buNone/>
               <a:defRPr sz="1600"/>
             </a:pPr>
+            <a:endParaRPr/>
           </a:p>
         </p:txBody>
       </p:sp>
       <p:sp>
         <p:nvSpPr>
           <p:cNvPr id="76" name="Foliennummer"/>
-          <p:cNvSpPr txBox="1"/>
+          <p:cNvSpPr txBox="1">
+            <a:spLocks noGrp="1"/>
+          </p:cNvSpPr>
           <p:nvPr>
             <p:ph type="sldNum" sz="quarter" idx="2"/>
           </p:nvPr>
@@ -1817,8 +1880,10 @@
           <a:bodyPr/>
           <a:lstStyle/>
           <a:p>
-            <a:pPr/>
-            <a:fld id="{86CB4B4D-7CA3-9044-876B-883B54F8677D}" type="slidenum"/>
+            <a:fld id="{86CB4B4D-7CA3-9044-876B-883B54F8677D}" type="slidenum">
+              <a:t>‹Nr.›</a:t>
+            </a:fld>
+            <a:endParaRPr/>
           </a:p>
         </p:txBody>
       </p:sp>
@@ -1827,12 +1892,12 @@
   <p:clrMapOvr>
     <a:masterClrMapping/>
   </p:clrMapOvr>
-  <p:transition xmlns:p14="http://schemas.microsoft.com/office/powerpoint/2010/main" spd="med" advClick="1"/>
+  <p:transition spd="med"/>
 </p:sldLayout>
 </file>
 
 <file path=ppt/slideLayouts/slideLayout9.xml><?xml version="1.0" encoding="utf-8"?>
-<p:sldLayout xmlns:a="http://schemas.openxmlformats.org/drawingml/2006/main" xmlns:r="http://schemas.openxmlformats.org/officeDocument/2006/relationships" xmlns:p="http://schemas.openxmlformats.org/presentationml/2006/main" xmlns:m="http://schemas.openxmlformats.org/officeDocument/2006/math" xmlns:a14="http://schemas.microsoft.com/office/drawing/2010/main" type="tx" showMasterSp="1" showMasterPhAnim="1">
+<p:sldLayout xmlns:a="http://schemas.openxmlformats.org/drawingml/2006/main" xmlns:r="http://schemas.openxmlformats.org/officeDocument/2006/relationships" xmlns:p="http://schemas.openxmlformats.org/presentationml/2006/main" type="tx">
   <p:cSld name="Bild mit Überschrift">
     <p:spTree>
       <p:nvGrpSpPr>
@@ -1851,7 +1916,9 @@
       <p:sp>
         <p:nvSpPr>
           <p:cNvPr id="83" name="Titeltext"/>
-          <p:cNvSpPr txBox="1"/>
+          <p:cNvSpPr txBox="1">
+            <a:spLocks noGrp="1"/>
+          </p:cNvSpPr>
           <p:nvPr>
             <p:ph type="title"/>
           </p:nvPr>
@@ -1873,7 +1940,6 @@
             </a:lvl1pPr>
           </a:lstStyle>
           <a:p>
-            <a:pPr/>
             <a:r>
               <a:t>Titeltext</a:t>
             </a:r>
@@ -1883,7 +1949,9 @@
       <p:sp>
         <p:nvSpPr>
           <p:cNvPr id="84" name="Bildplatzhalter 2"/>
-          <p:cNvSpPr/>
+          <p:cNvSpPr>
+            <a:spLocks noGrp="1"/>
+          </p:cNvSpPr>
           <p:nvPr>
             <p:ph type="pic" sz="half" idx="13"/>
           </p:nvPr>
@@ -1903,14 +1971,16 @@
           </a:bodyPr>
           <a:lstStyle/>
           <a:p>
-            <a:pPr/>
+            <a:endParaRPr/>
           </a:p>
         </p:txBody>
       </p:sp>
       <p:sp>
         <p:nvSpPr>
           <p:cNvPr id="85" name="Textebene 1…"/>
-          <p:cNvSpPr txBox="1"/>
+          <p:cNvSpPr txBox="1">
+            <a:spLocks noGrp="1"/>
+          </p:cNvSpPr>
           <p:nvPr>
             <p:ph type="body" sz="quarter" idx="1"/>
           </p:nvPr>
@@ -1959,7 +2029,6 @@
             </a:lvl5pPr>
           </a:lstStyle>
           <a:p>
-            <a:pPr/>
             <a:r>
               <a:t>Textebene 1</a:t>
             </a:r>
@@ -1993,7 +2062,9 @@
       <p:sp>
         <p:nvSpPr>
           <p:cNvPr id="86" name="Foliennummer"/>
-          <p:cNvSpPr txBox="1"/>
+          <p:cNvSpPr txBox="1">
+            <a:spLocks noGrp="1"/>
+          </p:cNvSpPr>
           <p:nvPr>
             <p:ph type="sldNum" sz="quarter" idx="2"/>
           </p:nvPr>
@@ -2007,8 +2078,10 @@
           <a:bodyPr/>
           <a:lstStyle/>
           <a:p>
-            <a:pPr/>
-            <a:fld id="{86CB4B4D-7CA3-9044-876B-883B54F8677D}" type="slidenum"/>
+            <a:fld id="{86CB4B4D-7CA3-9044-876B-883B54F8677D}" type="slidenum">
+              <a:t>‹Nr.›</a:t>
+            </a:fld>
+            <a:endParaRPr/>
           </a:p>
         </p:txBody>
       </p:sp>
@@ -2017,18 +2090,19 @@
   <p:clrMapOvr>
     <a:masterClrMapping/>
   </p:clrMapOvr>
-  <p:transition xmlns:p14="http://schemas.microsoft.com/office/powerpoint/2010/main" spd="med" advClick="1"/>
+  <p:transition spd="med"/>
 </p:sldLayout>
 </file>
 
 <file path=ppt/slideMasters/slideMaster1.xml><?xml version="1.0" encoding="utf-8"?>
-<p:sldMaster xmlns:a="http://schemas.openxmlformats.org/drawingml/2006/main" xmlns:r="http://schemas.openxmlformats.org/officeDocument/2006/relationships" xmlns:p="http://schemas.openxmlformats.org/presentationml/2006/main" xmlns:m="http://schemas.openxmlformats.org/officeDocument/2006/math" xmlns:a14="http://schemas.microsoft.com/office/drawing/2010/main">
+<p:sldMaster xmlns:a="http://schemas.openxmlformats.org/drawingml/2006/main" xmlns:r="http://schemas.openxmlformats.org/officeDocument/2006/relationships" xmlns:p="http://schemas.openxmlformats.org/presentationml/2006/main">
   <p:cSld>
     <p:bg>
       <p:bgPr>
         <a:solidFill>
           <a:srgbClr val="FFFFFF"/>
         </a:solidFill>
+        <a:effectLst/>
       </p:bgPr>
     </p:bg>
     <p:spTree>
@@ -2048,7 +2122,9 @@
       <p:sp>
         <p:nvSpPr>
           <p:cNvPr id="2" name="Titeltext"/>
-          <p:cNvSpPr txBox="1"/>
+          <p:cNvSpPr txBox="1">
+            <a:spLocks noGrp="1"/>
+          </p:cNvSpPr>
           <p:nvPr>
             <p:ph type="title"/>
           </p:nvPr>
@@ -2066,17 +2142,16 @@
           </a:ln>
           <a:extLst>
             <a:ext uri="{C572A759-6A51-4108-AA02-DFA0A04FC94B}">
-              <ma14:wrappingTextBoxFlag xmlns:ma14="http://schemas.microsoft.com/office/mac/drawingml/2011/main" val="1"/>
+              <ma14:wrappingTextBoxFlag xmlns:ma14="http://schemas.microsoft.com/office/mac/drawingml/2011/main" xmlns:a14="http://schemas.microsoft.com/office/drawing/2010/main" xmlns:m="http://schemas.openxmlformats.org/officeDocument/2006/math" xmlns="" val="1"/>
             </a:ext>
           </a:extLst>
         </p:spPr>
         <p:txBody>
           <a:bodyPr lIns="45719" rIns="45719" anchor="ctr">
-            <a:normAutofit fontScale="100000" lnSpcReduction="0"/>
+            <a:normAutofit/>
           </a:bodyPr>
           <a:lstStyle/>
           <a:p>
-            <a:pPr/>
             <a:r>
               <a:t>Titeltext</a:t>
             </a:r>
@@ -2086,7 +2161,9 @@
       <p:sp>
         <p:nvSpPr>
           <p:cNvPr id="3" name="Textebene 1…"/>
-          <p:cNvSpPr txBox="1"/>
+          <p:cNvSpPr txBox="1">
+            <a:spLocks noGrp="1"/>
+          </p:cNvSpPr>
           <p:nvPr>
             <p:ph type="body" idx="1"/>
           </p:nvPr>
@@ -2104,17 +2181,16 @@
           </a:ln>
           <a:extLst>
             <a:ext uri="{C572A759-6A51-4108-AA02-DFA0A04FC94B}">
-              <ma14:wrappingTextBoxFlag xmlns:ma14="http://schemas.microsoft.com/office/mac/drawingml/2011/main" val="1"/>
+              <ma14:wrappingTextBoxFlag xmlns:ma14="http://schemas.microsoft.com/office/mac/drawingml/2011/main" xmlns:a14="http://schemas.microsoft.com/office/drawing/2010/main" xmlns:m="http://schemas.openxmlformats.org/officeDocument/2006/math" xmlns="" val="1"/>
             </a:ext>
           </a:extLst>
         </p:spPr>
         <p:txBody>
           <a:bodyPr lIns="45719" rIns="45719">
-            <a:normAutofit fontScale="100000" lnSpcReduction="0"/>
+            <a:normAutofit/>
           </a:bodyPr>
           <a:lstStyle/>
           <a:p>
-            <a:pPr/>
             <a:r>
               <a:t>Textebene 1</a:t>
             </a:r>
@@ -2148,7 +2224,9 @@
       <p:sp>
         <p:nvSpPr>
           <p:cNvPr id="4" name="Foliennummer"/>
-          <p:cNvSpPr txBox="1"/>
+          <p:cNvSpPr txBox="1">
+            <a:spLocks noGrp="1"/>
+          </p:cNvSpPr>
           <p:nvPr>
             <p:ph type="sldNum" sz="quarter" idx="2"/>
           </p:nvPr>
@@ -2179,8 +2257,10 @@
             </a:lvl1pPr>
           </a:lstStyle>
           <a:p>
-            <a:pPr/>
-            <a:fld id="{86CB4B4D-7CA3-9044-876B-883B54F8677D}" type="slidenum"/>
+            <a:fld id="{86CB4B4D-7CA3-9044-876B-883B54F8677D}" type="slidenum">
+              <a:t>‹Nr.›</a:t>
+            </a:fld>
+            <a:endParaRPr/>
           </a:p>
         </p:txBody>
       </p:sp>
@@ -2188,17 +2268,17 @@
   </p:cSld>
   <p:clrMap bg1="lt1" tx1="dk1" bg2="lt2" tx2="dk2" accent1="accent1" accent2="accent2" accent3="accent3" accent4="accent4" accent5="accent5" accent6="accent6" hlink="hlink" folHlink="folHlink"/>
   <p:sldLayoutIdLst>
-    <p:sldLayoutId id="2147483649" r:id="rId2"/>
-    <p:sldLayoutId id="2147483650" r:id="rId3"/>
-    <p:sldLayoutId id="2147483651" r:id="rId4"/>
-    <p:sldLayoutId id="2147483652" r:id="rId5"/>
-    <p:sldLayoutId id="2147483653" r:id="rId6"/>
-    <p:sldLayoutId id="2147483654" r:id="rId7"/>
-    <p:sldLayoutId id="2147483655" r:id="rId8"/>
-    <p:sldLayoutId id="2147483656" r:id="rId9"/>
-    <p:sldLayoutId id="2147483657" r:id="rId10"/>
+    <p:sldLayoutId id="2147483649" r:id="rId1"/>
+    <p:sldLayoutId id="2147483650" r:id="rId2"/>
+    <p:sldLayoutId id="2147483651" r:id="rId3"/>
+    <p:sldLayoutId id="2147483652" r:id="rId4"/>
+    <p:sldLayoutId id="2147483653" r:id="rId5"/>
+    <p:sldLayoutId id="2147483654" r:id="rId6"/>
+    <p:sldLayoutId id="2147483655" r:id="rId7"/>
+    <p:sldLayoutId id="2147483656" r:id="rId8"/>
+    <p:sldLayoutId id="2147483657" r:id="rId9"/>
   </p:sldLayoutIdLst>
-  <p:transition xmlns:p14="http://schemas.microsoft.com/office/powerpoint/2010/main" spd="med" advClick="1"/>
+  <p:transition spd="med"/>
   <p:txStyles>
     <p:titleStyle>
       <a:lvl1pPr marL="0" marR="0" indent="0" algn="l" defTabSz="914400" rtl="0" latinLnBrk="0">
@@ -2216,7 +2296,7 @@
         <a:buFontTx/>
         <a:buNone/>
         <a:tabLst/>
-        <a:defRPr b="0" baseline="0" cap="none" i="0" spc="0" strike="noStrike" sz="4400" u="none">
+        <a:defRPr sz="4400" b="0" i="0" u="none" strike="noStrike" cap="none" spc="0" baseline="0">
           <a:solidFill>
             <a:srgbClr val="000000"/>
           </a:solidFill>
@@ -2242,7 +2322,7 @@
         <a:buFontTx/>
         <a:buNone/>
         <a:tabLst/>
-        <a:defRPr b="0" baseline="0" cap="none" i="0" spc="0" strike="noStrike" sz="4400" u="none">
+        <a:defRPr sz="4400" b="0" i="0" u="none" strike="noStrike" cap="none" spc="0" baseline="0">
           <a:solidFill>
             <a:srgbClr val="000000"/>
           </a:solidFill>
@@ -2268,7 +2348,7 @@
         <a:buFontTx/>
         <a:buNone/>
         <a:tabLst/>
-        <a:defRPr b="0" baseline="0" cap="none" i="0" spc="0" strike="noStrike" sz="4400" u="none">
+        <a:defRPr sz="4400" b="0" i="0" u="none" strike="noStrike" cap="none" spc="0" baseline="0">
           <a:solidFill>
             <a:srgbClr val="000000"/>
           </a:solidFill>
@@ -2294,7 +2374,7 @@
         <a:buFontTx/>
         <a:buNone/>
         <a:tabLst/>
-        <a:defRPr b="0" baseline="0" cap="none" i="0" spc="0" strike="noStrike" sz="4400" u="none">
+        <a:defRPr sz="4400" b="0" i="0" u="none" strike="noStrike" cap="none" spc="0" baseline="0">
           <a:solidFill>
             <a:srgbClr val="000000"/>
           </a:solidFill>
@@ -2320,7 +2400,7 @@
         <a:buFontTx/>
         <a:buNone/>
         <a:tabLst/>
-        <a:defRPr b="0" baseline="0" cap="none" i="0" spc="0" strike="noStrike" sz="4400" u="none">
+        <a:defRPr sz="4400" b="0" i="0" u="none" strike="noStrike" cap="none" spc="0" baseline="0">
           <a:solidFill>
             <a:srgbClr val="000000"/>
           </a:solidFill>
@@ -2346,7 +2426,7 @@
         <a:buFontTx/>
         <a:buNone/>
         <a:tabLst/>
-        <a:defRPr b="0" baseline="0" cap="none" i="0" spc="0" strike="noStrike" sz="4400" u="none">
+        <a:defRPr sz="4400" b="0" i="0" u="none" strike="noStrike" cap="none" spc="0" baseline="0">
           <a:solidFill>
             <a:srgbClr val="000000"/>
           </a:solidFill>
@@ -2372,7 +2452,7 @@
         <a:buFontTx/>
         <a:buNone/>
         <a:tabLst/>
-        <a:defRPr b="0" baseline="0" cap="none" i="0" spc="0" strike="noStrike" sz="4400" u="none">
+        <a:defRPr sz="4400" b="0" i="0" u="none" strike="noStrike" cap="none" spc="0" baseline="0">
           <a:solidFill>
             <a:srgbClr val="000000"/>
           </a:solidFill>
@@ -2398,7 +2478,7 @@
         <a:buFontTx/>
         <a:buNone/>
         <a:tabLst/>
-        <a:defRPr b="0" baseline="0" cap="none" i="0" spc="0" strike="noStrike" sz="4400" u="none">
+        <a:defRPr sz="4400" b="0" i="0" u="none" strike="noStrike" cap="none" spc="0" baseline="0">
           <a:solidFill>
             <a:srgbClr val="000000"/>
           </a:solidFill>
@@ -2424,7 +2504,7 @@
         <a:buFontTx/>
         <a:buNone/>
         <a:tabLst/>
-        <a:defRPr b="0" baseline="0" cap="none" i="0" spc="0" strike="noStrike" sz="4400" u="none">
+        <a:defRPr sz="4400" b="0" i="0" u="none" strike="noStrike" cap="none" spc="0" baseline="0">
           <a:solidFill>
             <a:srgbClr val="000000"/>
           </a:solidFill>
@@ -2452,7 +2532,7 @@
         <a:buFont typeface="Arial"/>
         <a:buChar char="•"/>
         <a:tabLst/>
-        <a:defRPr b="0" baseline="0" cap="none" i="0" spc="0" strike="noStrike" sz="2800" u="none">
+        <a:defRPr sz="2800" b="0" i="0" u="none" strike="noStrike" cap="none" spc="0" baseline="0">
           <a:solidFill>
             <a:srgbClr val="000000"/>
           </a:solidFill>
@@ -2478,7 +2558,7 @@
         <a:buFont typeface="Arial"/>
         <a:buChar char="•"/>
         <a:tabLst/>
-        <a:defRPr b="0" baseline="0" cap="none" i="0" spc="0" strike="noStrike" sz="2800" u="none">
+        <a:defRPr sz="2800" b="0" i="0" u="none" strike="noStrike" cap="none" spc="0" baseline="0">
           <a:solidFill>
             <a:srgbClr val="000000"/>
           </a:solidFill>
@@ -2504,7 +2584,7 @@
         <a:buFont typeface="Arial"/>
         <a:buChar char="•"/>
         <a:tabLst/>
-        <a:defRPr b="0" baseline="0" cap="none" i="0" spc="0" strike="noStrike" sz="2800" u="none">
+        <a:defRPr sz="2800" b="0" i="0" u="none" strike="noStrike" cap="none" spc="0" baseline="0">
           <a:solidFill>
             <a:srgbClr val="000000"/>
           </a:solidFill>
@@ -2530,7 +2610,7 @@
         <a:buFont typeface="Arial"/>
         <a:buChar char="•"/>
         <a:tabLst/>
-        <a:defRPr b="0" baseline="0" cap="none" i="0" spc="0" strike="noStrike" sz="2800" u="none">
+        <a:defRPr sz="2800" b="0" i="0" u="none" strike="noStrike" cap="none" spc="0" baseline="0">
           <a:solidFill>
             <a:srgbClr val="000000"/>
           </a:solidFill>
@@ -2556,7 +2636,7 @@
         <a:buFont typeface="Arial"/>
         <a:buChar char="•"/>
         <a:tabLst/>
-        <a:defRPr b="0" baseline="0" cap="none" i="0" spc="0" strike="noStrike" sz="2800" u="none">
+        <a:defRPr sz="2800" b="0" i="0" u="none" strike="noStrike" cap="none" spc="0" baseline="0">
           <a:solidFill>
             <a:srgbClr val="000000"/>
           </a:solidFill>
@@ -2582,7 +2662,7 @@
         <a:buFont typeface="Arial"/>
         <a:buChar char="•"/>
         <a:tabLst/>
-        <a:defRPr b="0" baseline="0" cap="none" i="0" spc="0" strike="noStrike" sz="2800" u="none">
+        <a:defRPr sz="2800" b="0" i="0" u="none" strike="noStrike" cap="none" spc="0" baseline="0">
           <a:solidFill>
             <a:srgbClr val="000000"/>
           </a:solidFill>
@@ -2608,7 +2688,7 @@
         <a:buFont typeface="Arial"/>
         <a:buChar char="•"/>
         <a:tabLst/>
-        <a:defRPr b="0" baseline="0" cap="none" i="0" spc="0" strike="noStrike" sz="2800" u="none">
+        <a:defRPr sz="2800" b="0" i="0" u="none" strike="noStrike" cap="none" spc="0" baseline="0">
           <a:solidFill>
             <a:srgbClr val="000000"/>
           </a:solidFill>
@@ -2634,7 +2714,7 @@
         <a:buFont typeface="Arial"/>
         <a:buChar char="•"/>
         <a:tabLst/>
-        <a:defRPr b="0" baseline="0" cap="none" i="0" spc="0" strike="noStrike" sz="2800" u="none">
+        <a:defRPr sz="2800" b="0" i="0" u="none" strike="noStrike" cap="none" spc="0" baseline="0">
           <a:solidFill>
             <a:srgbClr val="000000"/>
           </a:solidFill>
@@ -2660,7 +2740,7 @@
         <a:buFont typeface="Arial"/>
         <a:buChar char="•"/>
         <a:tabLst/>
-        <a:defRPr b="0" baseline="0" cap="none" i="0" spc="0" strike="noStrike" sz="2800" u="none">
+        <a:defRPr sz="2800" b="0" i="0" u="none" strike="noStrike" cap="none" spc="0" baseline="0">
           <a:solidFill>
             <a:srgbClr val="000000"/>
           </a:solidFill>
@@ -2688,7 +2768,7 @@
         <a:buFontTx/>
         <a:buNone/>
         <a:tabLst/>
-        <a:defRPr b="0" baseline="0" cap="none" i="0" spc="0" strike="noStrike" sz="1200" u="none">
+        <a:defRPr sz="1200" b="0" i="0" u="none" strike="noStrike" cap="none" spc="0" baseline="0">
           <a:solidFill>
             <a:schemeClr val="tx1"/>
           </a:solidFill>
@@ -2714,7 +2794,7 @@
         <a:buFontTx/>
         <a:buNone/>
         <a:tabLst/>
-        <a:defRPr b="0" baseline="0" cap="none" i="0" spc="0" strike="noStrike" sz="1200" u="none">
+        <a:defRPr sz="1200" b="0" i="0" u="none" strike="noStrike" cap="none" spc="0" baseline="0">
           <a:solidFill>
             <a:schemeClr val="tx1"/>
           </a:solidFill>
@@ -2740,7 +2820,7 @@
         <a:buFontTx/>
         <a:buNone/>
         <a:tabLst/>
-        <a:defRPr b="0" baseline="0" cap="none" i="0" spc="0" strike="noStrike" sz="1200" u="none">
+        <a:defRPr sz="1200" b="0" i="0" u="none" strike="noStrike" cap="none" spc="0" baseline="0">
           <a:solidFill>
             <a:schemeClr val="tx1"/>
           </a:solidFill>
@@ -2766,7 +2846,7 @@
         <a:buFontTx/>
         <a:buNone/>
         <a:tabLst/>
-        <a:defRPr b="0" baseline="0" cap="none" i="0" spc="0" strike="noStrike" sz="1200" u="none">
+        <a:defRPr sz="1200" b="0" i="0" u="none" strike="noStrike" cap="none" spc="0" baseline="0">
           <a:solidFill>
             <a:schemeClr val="tx1"/>
           </a:solidFill>
@@ -2792,7 +2872,7 @@
         <a:buFontTx/>
         <a:buNone/>
         <a:tabLst/>
-        <a:defRPr b="0" baseline="0" cap="none" i="0" spc="0" strike="noStrike" sz="1200" u="none">
+        <a:defRPr sz="1200" b="0" i="0" u="none" strike="noStrike" cap="none" spc="0" baseline="0">
           <a:solidFill>
             <a:schemeClr val="tx1"/>
           </a:solidFill>
@@ -2818,7 +2898,7 @@
         <a:buFontTx/>
         <a:buNone/>
         <a:tabLst/>
-        <a:defRPr b="0" baseline="0" cap="none" i="0" spc="0" strike="noStrike" sz="1200" u="none">
+        <a:defRPr sz="1200" b="0" i="0" u="none" strike="noStrike" cap="none" spc="0" baseline="0">
           <a:solidFill>
             <a:schemeClr val="tx1"/>
           </a:solidFill>
@@ -2844,7 +2924,7 @@
         <a:buFontTx/>
         <a:buNone/>
         <a:tabLst/>
-        <a:defRPr b="0" baseline="0" cap="none" i="0" spc="0" strike="noStrike" sz="1200" u="none">
+        <a:defRPr sz="1200" b="0" i="0" u="none" strike="noStrike" cap="none" spc="0" baseline="0">
           <a:solidFill>
             <a:schemeClr val="tx1"/>
           </a:solidFill>
@@ -2870,7 +2950,7 @@
         <a:buFontTx/>
         <a:buNone/>
         <a:tabLst/>
-        <a:defRPr b="0" baseline="0" cap="none" i="0" spc="0" strike="noStrike" sz="1200" u="none">
+        <a:defRPr sz="1200" b="0" i="0" u="none" strike="noStrike" cap="none" spc="0" baseline="0">
           <a:solidFill>
             <a:schemeClr val="tx1"/>
           </a:solidFill>
@@ -2896,7 +2976,7 @@
         <a:buFontTx/>
         <a:buNone/>
         <a:tabLst/>
-        <a:defRPr b="0" baseline="0" cap="none" i="0" spc="0" strike="noStrike" sz="1200" u="none">
+        <a:defRPr sz="1200" b="0" i="0" u="none" strike="noStrike" cap="none" spc="0" baseline="0">
           <a:solidFill>
             <a:schemeClr val="tx1"/>
           </a:solidFill>
@@ -2913,7 +2993,7 @@
 </file>
 
 <file path=ppt/slides/slide1.xml><?xml version="1.0" encoding="utf-8"?>
-<p:sld xmlns:a="http://schemas.openxmlformats.org/drawingml/2006/main" xmlns:r="http://schemas.openxmlformats.org/officeDocument/2006/relationships" xmlns:p="http://schemas.openxmlformats.org/presentationml/2006/main" xmlns:m="http://schemas.openxmlformats.org/officeDocument/2006/math" xmlns:a14="http://schemas.microsoft.com/office/drawing/2010/main" showMasterSp="1" showMasterPhAnim="1">
+<p:sld xmlns:a="http://schemas.openxmlformats.org/drawingml/2006/main" xmlns:r="http://schemas.openxmlformats.org/officeDocument/2006/relationships" xmlns:p="http://schemas.openxmlformats.org/presentationml/2006/main">
   <p:cSld>
     <p:spTree>
       <p:nvGrpSpPr>
@@ -2940,7 +3020,6 @@
         <p:blipFill>
           <a:blip r:embed="rId2">
             <a:alphaModFix amt="90000"/>
-            <a:extLst/>
           </a:blip>
           <a:stretch>
             <a:fillRect/>
@@ -2962,7 +3041,9 @@
       <p:sp>
         <p:nvSpPr>
           <p:cNvPr id="96" name="Titel 1"/>
-          <p:cNvSpPr txBox="1"/>
+          <p:cNvSpPr txBox="1">
+            <a:spLocks noGrp="1"/>
+          </p:cNvSpPr>
           <p:nvPr>
             <p:ph type="ctrTitle"/>
           </p:nvPr>
@@ -2988,7 +3069,6 @@
             </a:lvl1pPr>
           </a:lstStyle>
           <a:p>
-            <a:pPr/>
             <a:r>
               <a:t>The Strassen Algorithm</a:t>
             </a:r>
@@ -2998,7 +3078,9 @@
       <p:sp>
         <p:nvSpPr>
           <p:cNvPr id="97" name="Untertitel 2"/>
-          <p:cNvSpPr txBox="1"/>
+          <p:cNvSpPr txBox="1">
+            <a:spLocks noGrp="1"/>
+          </p:cNvSpPr>
           <p:nvPr>
             <p:ph type="subTitle" sz="quarter" idx="1"/>
           </p:nvPr>
@@ -3024,7 +3106,6 @@
             </a:lvl1pPr>
           </a:lstStyle>
           <a:p>
-            <a:pPr/>
             <a:r>
               <a:t>Christian Gollmann, Peter Holzner</a:t>
             </a:r>
@@ -3036,12 +3117,12 @@
   <p:clrMapOvr>
     <a:masterClrMapping/>
   </p:clrMapOvr>
-  <p:transition xmlns:p14="http://schemas.microsoft.com/office/powerpoint/2010/main" spd="med" advClick="1"/>
+  <p:transition spd="med"/>
 </p:sld>
 </file>
 
 <file path=ppt/slides/slide2.xml><?xml version="1.0" encoding="utf-8"?>
-<p:sld xmlns:a="http://schemas.openxmlformats.org/drawingml/2006/main" xmlns:r="http://schemas.openxmlformats.org/officeDocument/2006/relationships" xmlns:p="http://schemas.openxmlformats.org/presentationml/2006/main" xmlns:m="http://schemas.openxmlformats.org/officeDocument/2006/math" xmlns:a14="http://schemas.microsoft.com/office/drawing/2010/main" showMasterSp="1" showMasterPhAnim="1">
+<p:sld xmlns:a="http://schemas.openxmlformats.org/drawingml/2006/main" xmlns:r="http://schemas.openxmlformats.org/officeDocument/2006/relationships" xmlns:p="http://schemas.openxmlformats.org/presentationml/2006/main">
   <p:cSld>
     <p:spTree>
       <p:nvGrpSpPr>
@@ -3091,6 +3172,7 @@
                 </a:solidFill>
               </a:defRPr>
             </a:pPr>
+            <a:endParaRPr/>
           </a:p>
         </p:txBody>
       </p:sp>
@@ -3113,7 +3195,7 @@
           </a:ln>
           <a:extLst>
             <a:ext uri="{C572A759-6A51-4108-AA02-DFA0A04FC94B}">
-              <ma14:wrappingTextBoxFlag xmlns:ma14="http://schemas.microsoft.com/office/mac/drawingml/2011/main" val="1"/>
+              <ma14:wrappingTextBoxFlag xmlns:ma14="http://schemas.microsoft.com/office/mac/drawingml/2011/main" xmlns:a14="http://schemas.microsoft.com/office/drawing/2010/main" xmlns:m="http://schemas.openxmlformats.org/officeDocument/2006/math" xmlns="" val="1"/>
             </a:ext>
           </a:extLst>
         </p:spPr>
@@ -3131,7 +3213,6 @@
             </a:lvl1pPr>
           </a:lstStyle>
           <a:p>
-            <a:pPr/>
             <a:r>
               <a:t>The Algorithm – Divide and Conquer</a:t>
             </a:r>
@@ -3157,7 +3238,7 @@
           </a:ln>
           <a:extLst>
             <a:ext uri="{C572A759-6A51-4108-AA02-DFA0A04FC94B}">
-              <ma14:wrappingTextBoxFlag xmlns:ma14="http://schemas.microsoft.com/office/mac/drawingml/2011/main" val="1"/>
+              <ma14:wrappingTextBoxFlag xmlns:ma14="http://schemas.microsoft.com/office/mac/drawingml/2011/main" xmlns:a14="http://schemas.microsoft.com/office/drawing/2010/main" xmlns:m="http://schemas.openxmlformats.org/officeDocument/2006/math" xmlns="" val="1"/>
             </a:ext>
           </a:extLst>
         </p:spPr>
@@ -3175,7 +3256,6 @@
             </a:lvl1pPr>
           </a:lstStyle>
           <a:p>
-            <a:pPr/>
             <a:r>
               <a:t>Standard</a:t>
             </a:r>
@@ -3201,7 +3281,7 @@
           </a:ln>
           <a:extLst>
             <a:ext uri="{C572A759-6A51-4108-AA02-DFA0A04FC94B}">
-              <ma14:wrappingTextBoxFlag xmlns:ma14="http://schemas.microsoft.com/office/mac/drawingml/2011/main" val="1"/>
+              <ma14:wrappingTextBoxFlag xmlns:ma14="http://schemas.microsoft.com/office/mac/drawingml/2011/main" xmlns:a14="http://schemas.microsoft.com/office/drawing/2010/main" xmlns:m="http://schemas.openxmlformats.org/officeDocument/2006/math" xmlns="" val="1"/>
             </a:ext>
           </a:extLst>
         </p:spPr>
@@ -3219,7 +3299,6 @@
             </a:lvl1pPr>
           </a:lstStyle>
           <a:p>
-            <a:pPr/>
             <a:r>
               <a:t>Strassen</a:t>
             </a:r>
@@ -3235,9 +3314,7 @@
           <p:nvPr/>
         </p:nvPicPr>
         <p:blipFill>
-          <a:blip r:embed="rId3">
-            <a:extLst/>
-          </a:blip>
+          <a:blip r:embed="rId3"/>
           <a:stretch>
             <a:fillRect/>
           </a:stretch>
@@ -3264,9 +3341,7 @@
           <p:nvPr/>
         </p:nvPicPr>
         <p:blipFill>
-          <a:blip r:embed="rId4">
-            <a:extLst/>
-          </a:blip>
+          <a:blip r:embed="rId4"/>
           <a:stretch>
             <a:fillRect/>
           </a:stretch>
@@ -3293,9 +3368,7 @@
           <p:nvPr/>
         </p:nvPicPr>
         <p:blipFill>
-          <a:blip r:embed="rId5">
-            <a:extLst/>
-          </a:blip>
+          <a:blip r:embed="rId5"/>
           <a:stretch>
             <a:fillRect/>
           </a:stretch>
@@ -3322,9 +3395,7 @@
           <p:nvPr/>
         </p:nvPicPr>
         <p:blipFill>
-          <a:blip r:embed="rId6">
-            <a:extLst/>
-          </a:blip>
+          <a:blip r:embed="rId6"/>
           <a:stretch>
             <a:fillRect/>
           </a:stretch>
@@ -3351,9 +3422,7 @@
           <p:nvPr/>
         </p:nvPicPr>
         <p:blipFill>
-          <a:blip r:embed="rId7">
-            <a:extLst/>
-          </a:blip>
+          <a:blip r:embed="rId7"/>
           <a:stretch>
             <a:fillRect/>
           </a:stretch>
@@ -3390,7 +3459,7 @@
           </a:ln>
           <a:extLst>
             <a:ext uri="{C572A759-6A51-4108-AA02-DFA0A04FC94B}">
-              <ma14:wrappingTextBoxFlag xmlns:ma14="http://schemas.microsoft.com/office/mac/drawingml/2011/main" val="1"/>
+              <ma14:wrappingTextBoxFlag xmlns:ma14="http://schemas.microsoft.com/office/mac/drawingml/2011/main" xmlns:a14="http://schemas.microsoft.com/office/drawing/2010/main" xmlns:m="http://schemas.openxmlformats.org/officeDocument/2006/math" xmlns="" val="1"/>
             </a:ext>
           </a:extLst>
         </p:spPr>
@@ -3437,7 +3506,7 @@
           </a:ln>
           <a:extLst>
             <a:ext uri="{C572A759-6A51-4108-AA02-DFA0A04FC94B}">
-              <ma14:wrappingTextBoxFlag xmlns:ma14="http://schemas.microsoft.com/office/mac/drawingml/2011/main" val="1"/>
+              <ma14:wrappingTextBoxFlag xmlns:ma14="http://schemas.microsoft.com/office/mac/drawingml/2011/main" xmlns:a14="http://schemas.microsoft.com/office/drawing/2010/main" xmlns:m="http://schemas.openxmlformats.org/officeDocument/2006/math" xmlns="" val="1"/>
             </a:ext>
           </a:extLst>
         </p:spPr>
@@ -3465,186 +3534,170 @@
           </a:p>
         </p:txBody>
       </p:sp>
-      <p:sp>
-        <p:nvSpPr>
-          <p:cNvPr id="110" name="Textfeld 6"/>
-          <p:cNvSpPr txBox="1"/>
-          <p:nvPr/>
-        </p:nvSpPr>
-        <p:spPr>
-          <a:xfrm>
-            <a:off x="2695362" y="5349795"/>
-            <a:ext cx="1656396" cy="159131"/>
-          </a:xfrm>
-          <a:prstGeom prst="rect">
-            <a:avLst/>
-          </a:prstGeom>
-          <a:ln w="12700">
-            <a:miter lim="400000"/>
-          </a:ln>
-        </p:spPr>
-        <p:txBody>
-          <a:bodyPr wrap="none" lIns="0" tIns="0" rIns="0" bIns="0">
-            <a:spAutoFit/>
-          </a:bodyPr>
-          <a:lstStyle/>
-          <a:p>
-            <a:pPr latinLnBrk="1"/>
-            <a14:m>
-              <m:oMathPara>
-                <m:oMathParaPr>
-                  <m:jc m:val="centerGroup"/>
-                </m:oMathParaPr>
-                <m:oMath>
-                  <m:r>
-                    <a:rPr xmlns:a="http://schemas.openxmlformats.org/drawingml/2006/main" sz="1800" i="1">
-                      <a:solidFill>
-                        <a:srgbClr val="000000"/>
-                      </a:solidFill>
-                      <a:latin typeface="Cambria Math" panose="02040503050406030204" pitchFamily="18" charset="0"/>
-                    </a:rPr>
-                    <m:t>𝑑</m:t>
-                  </m:r>
-                  <m:r>
-                    <a:rPr xmlns:a="http://schemas.openxmlformats.org/drawingml/2006/main" sz="1800" i="1">
-                      <a:solidFill>
-                        <a:srgbClr val="000000"/>
-                      </a:solidFill>
-                      <a:latin typeface="Cambria Math" panose="02040503050406030204" pitchFamily="18" charset="0"/>
-                    </a:rPr>
-                    <m:t>𝑖</m:t>
-                  </m:r>
-                  <m:r>
-                    <a:rPr xmlns:a="http://schemas.openxmlformats.org/drawingml/2006/main" sz="1800" i="1">
-                      <a:solidFill>
-                        <a:srgbClr val="000000"/>
-                      </a:solidFill>
-                      <a:latin typeface="Cambria Math" panose="02040503050406030204" pitchFamily="18" charset="0"/>
-                    </a:rPr>
-                    <m:t>𝑚</m:t>
-                  </m:r>
-                  <m:r>
-                    <a:rPr xmlns:a="http://schemas.openxmlformats.org/drawingml/2006/main" sz="1800" i="1">
-                      <a:solidFill>
-                        <a:srgbClr val="000000"/>
-                      </a:solidFill>
-                      <a:latin typeface="Cambria Math" panose="02040503050406030204" pitchFamily="18" charset="0"/>
-                    </a:rPr>
-                    <m:t>𝑒</m:t>
-                  </m:r>
-                  <m:r>
-                    <a:rPr xmlns:a="http://schemas.openxmlformats.org/drawingml/2006/main" sz="1800" i="1">
-                      <a:solidFill>
-                        <a:srgbClr val="000000"/>
-                      </a:solidFill>
-                      <a:latin typeface="Cambria Math" panose="02040503050406030204" pitchFamily="18" charset="0"/>
-                    </a:rPr>
-                    <m:t>𝑛</m:t>
-                  </m:r>
-                  <m:r>
-                    <a:rPr xmlns:a="http://schemas.openxmlformats.org/drawingml/2006/main" sz="1800" i="1">
-                      <a:solidFill>
-                        <a:srgbClr val="000000"/>
-                      </a:solidFill>
-                      <a:latin typeface="Cambria Math" panose="02040503050406030204" pitchFamily="18" charset="0"/>
-                    </a:rPr>
-                    <m:t>𝑠</m:t>
-                  </m:r>
-                  <m:r>
-                    <a:rPr xmlns:a="http://schemas.openxmlformats.org/drawingml/2006/main" sz="1800" i="1">
-                      <a:solidFill>
-                        <a:srgbClr val="000000"/>
-                      </a:solidFill>
-                      <a:latin typeface="Cambria Math" panose="02040503050406030204" pitchFamily="18" charset="0"/>
-                    </a:rPr>
-                    <m:t>𝑖</m:t>
-                  </m:r>
-                  <m:r>
-                    <a:rPr xmlns:a="http://schemas.openxmlformats.org/drawingml/2006/main" sz="1800" i="1">
-                      <a:solidFill>
-                        <a:srgbClr val="000000"/>
-                      </a:solidFill>
-                      <a:latin typeface="Cambria Math" panose="02040503050406030204" pitchFamily="18" charset="0"/>
-                    </a:rPr>
-                    <m:t>𝑜</m:t>
-                  </m:r>
-                  <m:r>
-                    <a:rPr xmlns:a="http://schemas.openxmlformats.org/drawingml/2006/main" sz="1800" i="1">
-                      <a:solidFill>
-                        <a:srgbClr val="000000"/>
-                      </a:solidFill>
-                      <a:latin typeface="Cambria Math" panose="02040503050406030204" pitchFamily="18" charset="0"/>
-                    </a:rPr>
-                    <m:t>𝑛</m:t>
-                  </m:r>
-                  <m:r>
-                    <a:rPr xmlns:a="http://schemas.openxmlformats.org/drawingml/2006/main" sz="1800" i="1">
-                      <a:solidFill>
-                        <a:srgbClr val="000000"/>
-                      </a:solidFill>
-                      <a:latin typeface="Cambria Math" panose="02040503050406030204" pitchFamily="18" charset="0"/>
-                    </a:rPr>
-                    <m:t/>
-                  </m:r>
-                  <m:r>
-                    <a:rPr xmlns:a="http://schemas.openxmlformats.org/drawingml/2006/main" sz="1800" i="1">
-                      <a:solidFill>
-                        <a:srgbClr val="000000"/>
-                      </a:solidFill>
-                      <a:latin typeface="Cambria Math" panose="02040503050406030204" pitchFamily="18" charset="0"/>
-                    </a:rPr>
-                    <m:t>𝑛</m:t>
-                  </m:r>
-                  <m:r>
-                    <a:rPr xmlns:a="http://schemas.openxmlformats.org/drawingml/2006/main" sz="1800" i="1">
-                      <a:solidFill>
-                        <a:srgbClr val="000000"/>
-                      </a:solidFill>
-                      <a:latin typeface="Cambria Math" panose="02040503050406030204" pitchFamily="18" charset="0"/>
-                    </a:rPr>
-                    <m:t>=</m:t>
-                  </m:r>
-                  <m:sSup>
-                    <m:e>
+      <mc:AlternateContent xmlns:mc="http://schemas.openxmlformats.org/markup-compatibility/2006">
+        <mc:Choice xmlns:a14="http://schemas.microsoft.com/office/drawing/2010/main" Requires="a14">
+          <p:sp>
+            <p:nvSpPr>
+              <p:cNvPr id="110" name="Textfeld 6"/>
+              <p:cNvSpPr txBox="1"/>
+              <p:nvPr/>
+            </p:nvSpPr>
+            <p:spPr>
+              <a:xfrm>
+                <a:off x="2695362" y="5349795"/>
+                <a:ext cx="1656396" cy="159131"/>
+              </a:xfrm>
+              <a:prstGeom prst="rect">
+                <a:avLst/>
+              </a:prstGeom>
+              <a:ln w="12700">
+                <a:miter lim="400000"/>
+              </a:ln>
+            </p:spPr>
+            <p:txBody>
+              <a:bodyPr wrap="none" lIns="0" tIns="0" rIns="0" bIns="0">
+                <a:spAutoFit/>
+              </a:bodyPr>
+              <a:lstStyle/>
+              <a:p>
+                <a:pPr latinLnBrk="1"/>
+                <a14:m>
+                  <m:oMathPara xmlns:m="http://schemas.openxmlformats.org/officeDocument/2006/math">
+                    <m:oMathParaPr>
+                      <m:jc m:val="centerGroup"/>
+                    </m:oMathParaPr>
+                    <m:oMath xmlns:m="http://schemas.openxmlformats.org/officeDocument/2006/math">
                       <m:r>
-                        <a:rPr xmlns:a="http://schemas.openxmlformats.org/drawingml/2006/main" sz="1800" i="1">
+                        <a:rPr sz="1800" i="1">
                           <a:solidFill>
                             <a:srgbClr val="000000"/>
                           </a:solidFill>
                           <a:latin typeface="Cambria Math" panose="02040503050406030204" pitchFamily="18" charset="0"/>
                         </a:rPr>
-                        <m:t>2</m:t>
+                        <m:t>𝑑𝑖𝑚𝑒𝑛𝑠𝑖𝑜𝑛</m:t>
                       </m:r>
-                    </m:e>
-                    <m:sup>
                       <m:r>
-                        <a:rPr xmlns:a="http://schemas.openxmlformats.org/drawingml/2006/main" sz="1800" i="1">
+                        <a:rPr sz="1800" i="1">
                           <a:solidFill>
                             <a:srgbClr val="000000"/>
                           </a:solidFill>
                           <a:latin typeface="Cambria Math" panose="02040503050406030204" pitchFamily="18" charset="0"/>
                         </a:rPr>
-                        <m:t>𝑚</m:t>
+                        <m:t> </m:t>
                       </m:r>
-                    </m:sup>
-                  </m:sSup>
-                </m:oMath>
-              </m:oMathPara>
-            </a14:m>
-          </a:p>
-        </p:txBody>
-      </p:sp>
+                      <m:r>
+                        <a:rPr sz="1800" i="1">
+                          <a:solidFill>
+                            <a:srgbClr val="000000"/>
+                          </a:solidFill>
+                          <a:latin typeface="Cambria Math" panose="02040503050406030204" pitchFamily="18" charset="0"/>
+                        </a:rPr>
+                        <m:t>𝑛</m:t>
+                      </m:r>
+                      <m:r>
+                        <a:rPr sz="1800" i="1">
+                          <a:solidFill>
+                            <a:srgbClr val="000000"/>
+                          </a:solidFill>
+                          <a:latin typeface="Cambria Math" panose="02040503050406030204" pitchFamily="18" charset="0"/>
+                        </a:rPr>
+                        <m:t>=</m:t>
+                      </m:r>
+                      <m:sSup>
+                        <m:sSupPr>
+                          <m:ctrlPr>
+                            <a:rPr sz="1800" i="1">
+                              <a:solidFill>
+                                <a:srgbClr val="000000"/>
+                              </a:solidFill>
+                              <a:latin typeface="Cambria Math" panose="02040503050406030204" pitchFamily="18" charset="0"/>
+                            </a:rPr>
+                          </m:ctrlPr>
+                        </m:sSupPr>
+                        <m:e>
+                          <m:r>
+                            <a:rPr sz="1800" i="1">
+                              <a:solidFill>
+                                <a:srgbClr val="000000"/>
+                              </a:solidFill>
+                              <a:latin typeface="Cambria Math" panose="02040503050406030204" pitchFamily="18" charset="0"/>
+                            </a:rPr>
+                            <m:t>2</m:t>
+                          </m:r>
+                        </m:e>
+                        <m:sup>
+                          <m:r>
+                            <a:rPr sz="1800" i="1">
+                              <a:solidFill>
+                                <a:srgbClr val="000000"/>
+                              </a:solidFill>
+                              <a:latin typeface="Cambria Math" panose="02040503050406030204" pitchFamily="18" charset="0"/>
+                            </a:rPr>
+                            <m:t>𝑚</m:t>
+                          </m:r>
+                        </m:sup>
+                      </m:sSup>
+                    </m:oMath>
+                  </m:oMathPara>
+                </a14:m>
+                <a:endParaRPr/>
+              </a:p>
+            </p:txBody>
+          </p:sp>
+        </mc:Choice>
+        <mc:Fallback>
+          <p:sp>
+            <p:nvSpPr>
+              <p:cNvPr id="110" name="Textfeld 6"/>
+              <p:cNvSpPr txBox="1">
+                <a:spLocks noRot="1" noChangeAspect="1" noMove="1" noResize="1" noEditPoints="1" noAdjustHandles="1" noChangeArrowheads="1" noChangeShapeType="1" noTextEdit="1"/>
+              </p:cNvSpPr>
+              <p:nvPr/>
+            </p:nvSpPr>
+            <p:spPr>
+              <a:xfrm>
+                <a:off x="2695362" y="5349795"/>
+                <a:ext cx="1656396" cy="159131"/>
+              </a:xfrm>
+              <a:prstGeom prst="rect">
+                <a:avLst/>
+              </a:prstGeom>
+              <a:blipFill>
+                <a:blip r:embed="rId8"/>
+                <a:stretch>
+                  <a:fillRect l="-5147" r="-14706" b="-88462"/>
+                </a:stretch>
+              </a:blipFill>
+              <a:ln w="12700">
+                <a:miter lim="400000"/>
+              </a:ln>
+            </p:spPr>
+            <p:txBody>
+              <a:bodyPr/>
+              <a:lstStyle/>
+              <a:p>
+                <a:r>
+                  <a:rPr lang="de-AT">
+                    <a:noFill/>
+                  </a:rPr>
+                  <a:t> </a:t>
+                </a:r>
+              </a:p>
+            </p:txBody>
+          </p:sp>
+        </mc:Fallback>
+      </mc:AlternateContent>
     </p:spTree>
   </p:cSld>
   <p:clrMapOvr>
     <a:masterClrMapping/>
   </p:clrMapOvr>
-  <p:transition xmlns:p14="http://schemas.microsoft.com/office/powerpoint/2010/main" spd="med" advClick="1"/>
+  <p:transition spd="med"/>
 </p:sld>
 </file>
 
 <file path=ppt/slides/slide3.xml><?xml version="1.0" encoding="utf-8"?>
-<p:sld xmlns:a="http://schemas.openxmlformats.org/drawingml/2006/main" xmlns:r="http://schemas.openxmlformats.org/officeDocument/2006/relationships" xmlns:p="http://schemas.openxmlformats.org/presentationml/2006/main" xmlns:m="http://schemas.openxmlformats.org/officeDocument/2006/math" xmlns:a14="http://schemas.microsoft.com/office/drawing/2010/main" showMasterSp="1" showMasterPhAnim="1">
+<p:sld xmlns:a="http://schemas.openxmlformats.org/drawingml/2006/main" xmlns:r="http://schemas.openxmlformats.org/officeDocument/2006/relationships" xmlns:p="http://schemas.openxmlformats.org/presentationml/2006/main">
   <p:cSld>
     <p:spTree>
       <p:nvGrpSpPr>
@@ -3694,6 +3747,7 @@
                 </a:solidFill>
               </a:defRPr>
             </a:pPr>
+            <a:endParaRPr/>
           </a:p>
         </p:txBody>
       </p:sp>
@@ -3716,7 +3770,7 @@
           </a:ln>
           <a:extLst>
             <a:ext uri="{C572A759-6A51-4108-AA02-DFA0A04FC94B}">
-              <ma14:wrappingTextBoxFlag xmlns:ma14="http://schemas.microsoft.com/office/mac/drawingml/2011/main" val="1"/>
+              <ma14:wrappingTextBoxFlag xmlns:ma14="http://schemas.microsoft.com/office/mac/drawingml/2011/main" xmlns:a14="http://schemas.microsoft.com/office/drawing/2010/main" xmlns:m="http://schemas.openxmlformats.org/officeDocument/2006/math" xmlns="" val="1"/>
             </a:ext>
           </a:extLst>
         </p:spPr>
@@ -3734,7 +3788,6 @@
             </a:lvl1pPr>
           </a:lstStyle>
           <a:p>
-            <a:pPr/>
             <a:r>
               <a:t>Complexity Analysis</a:t>
             </a:r>
@@ -3760,7 +3813,7 @@
           </a:ln>
           <a:extLst>
             <a:ext uri="{C572A759-6A51-4108-AA02-DFA0A04FC94B}">
-              <ma14:wrappingTextBoxFlag xmlns:ma14="http://schemas.microsoft.com/office/mac/drawingml/2011/main" val="1"/>
+              <ma14:wrappingTextBoxFlag xmlns:ma14="http://schemas.microsoft.com/office/mac/drawingml/2011/main" xmlns:a14="http://schemas.microsoft.com/office/drawing/2010/main" xmlns:m="http://schemas.openxmlformats.org/officeDocument/2006/math" xmlns="" val="1"/>
             </a:ext>
           </a:extLst>
         </p:spPr>
@@ -3778,7 +3831,6 @@
             </a:lvl1pPr>
           </a:lstStyle>
           <a:p>
-            <a:pPr/>
             <a:r>
               <a:t>Strassen algorithm is of form:</a:t>
             </a:r>
@@ -3794,9 +3846,7 @@
           <p:nvPr/>
         </p:nvPicPr>
         <p:blipFill>
-          <a:blip r:embed="rId3">
-            <a:extLst/>
-          </a:blip>
+          <a:blip r:embed="rId3"/>
           <a:stretch>
             <a:fillRect/>
           </a:stretch>
@@ -3823,9 +3873,7 @@
           <p:nvPr/>
         </p:nvPicPr>
         <p:blipFill>
-          <a:blip r:embed="rId4">
-            <a:extLst/>
-          </a:blip>
+          <a:blip r:embed="rId4"/>
           <a:stretch>
             <a:fillRect/>
           </a:stretch>
@@ -3852,9 +3900,7 @@
           <p:nvPr/>
         </p:nvPicPr>
         <p:blipFill>
-          <a:blip r:embed="rId5">
-            <a:extLst/>
-          </a:blip>
+          <a:blip r:embed="rId5"/>
           <a:stretch>
             <a:fillRect/>
           </a:stretch>
@@ -3881,9 +3927,7 @@
           <p:nvPr/>
         </p:nvPicPr>
         <p:blipFill>
-          <a:blip r:embed="rId6">
-            <a:extLst/>
-          </a:blip>
+          <a:blip r:embed="rId6"/>
           <a:stretch>
             <a:fillRect/>
           </a:stretch>
@@ -3936,6 +3980,7 @@
                 </a:solidFill>
               </a:defRPr>
             </a:pPr>
+            <a:endParaRPr/>
           </a:p>
         </p:txBody>
       </p:sp>
@@ -3958,7 +4003,7 @@
           </a:ln>
           <a:extLst>
             <a:ext uri="{C572A759-6A51-4108-AA02-DFA0A04FC94B}">
-              <ma14:wrappingTextBoxFlag xmlns:ma14="http://schemas.microsoft.com/office/mac/drawingml/2011/main" val="1"/>
+              <ma14:wrappingTextBoxFlag xmlns:ma14="http://schemas.microsoft.com/office/mac/drawingml/2011/main" xmlns:a14="http://schemas.microsoft.com/office/drawing/2010/main" xmlns:m="http://schemas.openxmlformats.org/officeDocument/2006/math" xmlns="" val="1"/>
             </a:ext>
           </a:extLst>
         </p:spPr>
@@ -3976,7 +4021,6 @@
             </a:lvl1pPr>
           </a:lstStyle>
           <a:p>
-            <a:pPr/>
             <a:r>
               <a:t>1st recursive call</a:t>
             </a:r>
@@ -4021,6 +4065,7 @@
                 </a:solidFill>
               </a:defRPr>
             </a:pPr>
+            <a:endParaRPr/>
           </a:p>
         </p:txBody>
       </p:sp>
@@ -4043,7 +4088,7 @@
           </a:ln>
           <a:extLst>
             <a:ext uri="{C572A759-6A51-4108-AA02-DFA0A04FC94B}">
-              <ma14:wrappingTextBoxFlag xmlns:ma14="http://schemas.microsoft.com/office/mac/drawingml/2011/main" val="1"/>
+              <ma14:wrappingTextBoxFlag xmlns:ma14="http://schemas.microsoft.com/office/mac/drawingml/2011/main" xmlns:a14="http://schemas.microsoft.com/office/drawing/2010/main" xmlns:m="http://schemas.openxmlformats.org/officeDocument/2006/math" xmlns="" val="1"/>
             </a:ext>
           </a:extLst>
         </p:spPr>
@@ -4061,7 +4106,6 @@
             </a:lvl1pPr>
           </a:lstStyle>
           <a:p>
-            <a:pPr/>
             <a:r>
               <a:t>2nd recursive call</a:t>
             </a:r>
@@ -4106,6 +4150,7 @@
                 </a:solidFill>
               </a:defRPr>
             </a:pPr>
+            <a:endParaRPr/>
           </a:p>
         </p:txBody>
       </p:sp>
@@ -4128,7 +4173,7 @@
           </a:ln>
           <a:extLst>
             <a:ext uri="{C572A759-6A51-4108-AA02-DFA0A04FC94B}">
-              <ma14:wrappingTextBoxFlag xmlns:ma14="http://schemas.microsoft.com/office/mac/drawingml/2011/main" val="1"/>
+              <ma14:wrappingTextBoxFlag xmlns:ma14="http://schemas.microsoft.com/office/mac/drawingml/2011/main" xmlns:a14="http://schemas.microsoft.com/office/drawing/2010/main" xmlns:m="http://schemas.openxmlformats.org/officeDocument/2006/math" xmlns="" val="1"/>
             </a:ext>
           </a:extLst>
         </p:spPr>
@@ -4146,7 +4191,6 @@
             </a:lvl1pPr>
           </a:lstStyle>
           <a:p>
-            <a:pPr/>
             <a:r>
               <a:t>3rd recursive call</a:t>
             </a:r>
@@ -4191,6 +4235,7 @@
                 </a:solidFill>
               </a:defRPr>
             </a:pPr>
+            <a:endParaRPr/>
           </a:p>
         </p:txBody>
       </p:sp>
@@ -4199,12 +4244,12 @@
   <p:clrMapOvr>
     <a:masterClrMapping/>
   </p:clrMapOvr>
-  <p:transition xmlns:p14="http://schemas.microsoft.com/office/powerpoint/2010/main" spd="med" advClick="1"/>
+  <p:transition spd="med"/>
 </p:sld>
 </file>
 
 <file path=ppt/slides/slide4.xml><?xml version="1.0" encoding="utf-8"?>
-<p:sld xmlns:a="http://schemas.openxmlformats.org/drawingml/2006/main" xmlns:r="http://schemas.openxmlformats.org/officeDocument/2006/relationships" xmlns:p="http://schemas.openxmlformats.org/presentationml/2006/main" xmlns:m="http://schemas.openxmlformats.org/officeDocument/2006/math" xmlns:a14="http://schemas.microsoft.com/office/drawing/2010/main" showMasterSp="1" showMasterPhAnim="1">
+<p:sld xmlns:a="http://schemas.openxmlformats.org/drawingml/2006/main" xmlns:r="http://schemas.openxmlformats.org/officeDocument/2006/relationships" xmlns:p="http://schemas.openxmlformats.org/presentationml/2006/main">
   <p:cSld>
     <p:spTree>
       <p:nvGrpSpPr>
@@ -4254,6 +4299,7 @@
                 </a:solidFill>
               </a:defRPr>
             </a:pPr>
+            <a:endParaRPr/>
           </a:p>
         </p:txBody>
       </p:sp>
@@ -4276,7 +4322,7 @@
           </a:ln>
           <a:extLst>
             <a:ext uri="{C572A759-6A51-4108-AA02-DFA0A04FC94B}">
-              <ma14:wrappingTextBoxFlag xmlns:ma14="http://schemas.microsoft.com/office/mac/drawingml/2011/main" val="1"/>
+              <ma14:wrappingTextBoxFlag xmlns:ma14="http://schemas.microsoft.com/office/mac/drawingml/2011/main" xmlns:a14="http://schemas.microsoft.com/office/drawing/2010/main" xmlns:m="http://schemas.openxmlformats.org/officeDocument/2006/math" xmlns="" val="1"/>
             </a:ext>
           </a:extLst>
         </p:spPr>
@@ -4294,7 +4340,6 @@
             </a:lvl1pPr>
           </a:lstStyle>
           <a:p>
-            <a:pPr/>
             <a:r>
               <a:t>The Memory Challenge</a:t>
             </a:r>
@@ -4332,7 +4377,7 @@
             </a:cxnLst>
             <a:rect l="0" t="0" r="r" b="b"/>
             <a:pathLst>
-              <a:path w="21600" h="21600" fill="norm" stroke="1" extrusionOk="0">
+              <a:path w="21600" h="21600" extrusionOk="0">
                 <a:moveTo>
                   <a:pt x="753" y="21600"/>
                 </a:moveTo>
@@ -4380,6 +4425,7 @@
           <a:lstStyle/>
           <a:p>
             <a:pPr algn="ctr"/>
+            <a:endParaRPr/>
           </a:p>
         </p:txBody>
       </p:sp>
@@ -4408,7 +4454,7 @@
           <a:bodyPr lIns="45719" rIns="45719"/>
           <a:lstStyle/>
           <a:p>
-            <a:pPr/>
+            <a:endParaRPr/>
           </a:p>
         </p:txBody>
       </p:sp>
@@ -4437,7 +4483,7 @@
           <a:bodyPr lIns="45719" rIns="45719"/>
           <a:lstStyle/>
           <a:p>
-            <a:pPr/>
+            <a:endParaRPr/>
           </a:p>
         </p:txBody>
       </p:sp>
@@ -4460,7 +4506,7 @@
           </a:ln>
           <a:extLst>
             <a:ext uri="{C572A759-6A51-4108-AA02-DFA0A04FC94B}">
-              <ma14:wrappingTextBoxFlag xmlns:ma14="http://schemas.microsoft.com/office/mac/drawingml/2011/main" val="1"/>
+              <ma14:wrappingTextBoxFlag xmlns:ma14="http://schemas.microsoft.com/office/mac/drawingml/2011/main" xmlns:a14="http://schemas.microsoft.com/office/drawing/2010/main" xmlns:m="http://schemas.openxmlformats.org/officeDocument/2006/math" xmlns="" val="1"/>
             </a:ext>
           </a:extLst>
         </p:spPr>
@@ -4474,7 +4520,6 @@
             </a:lvl1pPr>
           </a:lstStyle>
           <a:p>
-            <a:pPr/>
             <a:r>
               <a:t>A</a:t>
             </a:r>
@@ -4512,7 +4557,7 @@
             </a:cxnLst>
             <a:rect l="0" t="0" r="r" b="b"/>
             <a:pathLst>
-              <a:path w="21600" h="21600" fill="norm" stroke="1" extrusionOk="0">
+              <a:path w="21600" h="21600" extrusionOk="0">
                 <a:moveTo>
                   <a:pt x="753" y="21600"/>
                 </a:moveTo>
@@ -4560,6 +4605,7 @@
           <a:lstStyle/>
           <a:p>
             <a:pPr algn="ctr"/>
+            <a:endParaRPr/>
           </a:p>
         </p:txBody>
       </p:sp>
@@ -4588,7 +4634,7 @@
           <a:bodyPr lIns="45719" rIns="45719"/>
           <a:lstStyle/>
           <a:p>
-            <a:pPr/>
+            <a:endParaRPr/>
           </a:p>
         </p:txBody>
       </p:sp>
@@ -4617,7 +4663,7 @@
           <a:bodyPr lIns="45719" rIns="45719"/>
           <a:lstStyle/>
           <a:p>
-            <a:pPr/>
+            <a:endParaRPr/>
           </a:p>
         </p:txBody>
       </p:sp>
@@ -4640,7 +4686,7 @@
           </a:ln>
           <a:extLst>
             <a:ext uri="{C572A759-6A51-4108-AA02-DFA0A04FC94B}">
-              <ma14:wrappingTextBoxFlag xmlns:ma14="http://schemas.microsoft.com/office/mac/drawingml/2011/main" val="1"/>
+              <ma14:wrappingTextBoxFlag xmlns:ma14="http://schemas.microsoft.com/office/mac/drawingml/2011/main" xmlns:a14="http://schemas.microsoft.com/office/drawing/2010/main" xmlns:m="http://schemas.openxmlformats.org/officeDocument/2006/math" xmlns="" val="1"/>
             </a:ext>
           </a:extLst>
         </p:spPr>
@@ -4654,7 +4700,6 @@
             </a:lvl1pPr>
           </a:lstStyle>
           <a:p>
-            <a:pPr/>
             <a:r>
               <a:t>B</a:t>
             </a:r>
@@ -4692,7 +4737,7 @@
             </a:cxnLst>
             <a:rect l="0" t="0" r="r" b="b"/>
             <a:pathLst>
-              <a:path w="21600" h="21600" fill="norm" stroke="1" extrusionOk="0">
+              <a:path w="21600" h="21600" extrusionOk="0">
                 <a:moveTo>
                   <a:pt x="753" y="21600"/>
                 </a:moveTo>
@@ -4742,6 +4787,7 @@
             <a:pPr algn="ctr">
               <a:defRPr u="sng"/>
             </a:pPr>
+            <a:endParaRPr/>
           </a:p>
         </p:txBody>
       </p:sp>
@@ -4770,7 +4816,7 @@
           <a:bodyPr lIns="45719" rIns="45719"/>
           <a:lstStyle/>
           <a:p>
-            <a:pPr/>
+            <a:endParaRPr/>
           </a:p>
         </p:txBody>
       </p:sp>
@@ -4799,7 +4845,7 @@
           <a:bodyPr lIns="45719" rIns="45719"/>
           <a:lstStyle/>
           <a:p>
-            <a:pPr/>
+            <a:endParaRPr/>
           </a:p>
         </p:txBody>
       </p:sp>
@@ -4822,7 +4868,7 @@
           </a:ln>
           <a:extLst>
             <a:ext uri="{C572A759-6A51-4108-AA02-DFA0A04FC94B}">
-              <ma14:wrappingTextBoxFlag xmlns:ma14="http://schemas.microsoft.com/office/mac/drawingml/2011/main" val="1"/>
+              <ma14:wrappingTextBoxFlag xmlns:ma14="http://schemas.microsoft.com/office/mac/drawingml/2011/main" xmlns:a14="http://schemas.microsoft.com/office/drawing/2010/main" xmlns:m="http://schemas.openxmlformats.org/officeDocument/2006/math" xmlns="" val="1"/>
             </a:ext>
           </a:extLst>
         </p:spPr>
@@ -4836,7 +4882,6 @@
             </a:lvl1pPr>
           </a:lstStyle>
           <a:p>
-            <a:pPr/>
             <a:r>
               <a:t>C</a:t>
             </a:r>
@@ -4874,7 +4919,7 @@
             </a:cxnLst>
             <a:rect l="0" t="0" r="r" b="b"/>
             <a:pathLst>
-              <a:path w="21600" h="21600" fill="norm" stroke="1" extrusionOk="0">
+              <a:path w="21600" h="21600" extrusionOk="0">
                 <a:moveTo>
                   <a:pt x="753" y="21600"/>
                 </a:moveTo>
@@ -4922,6 +4967,7 @@
           <a:lstStyle/>
           <a:p>
             <a:pPr algn="ctr"/>
+            <a:endParaRPr/>
           </a:p>
         </p:txBody>
       </p:sp>
@@ -4950,7 +4996,7 @@
           <a:bodyPr lIns="45719" rIns="45719"/>
           <a:lstStyle/>
           <a:p>
-            <a:pPr/>
+            <a:endParaRPr/>
           </a:p>
         </p:txBody>
       </p:sp>
@@ -4979,7 +5025,7 @@
           <a:bodyPr lIns="45719" rIns="45719"/>
           <a:lstStyle/>
           <a:p>
-            <a:pPr/>
+            <a:endParaRPr/>
           </a:p>
         </p:txBody>
       </p:sp>
@@ -5002,7 +5048,7 @@
           </a:ln>
           <a:extLst>
             <a:ext uri="{C572A759-6A51-4108-AA02-DFA0A04FC94B}">
-              <ma14:wrappingTextBoxFlag xmlns:ma14="http://schemas.microsoft.com/office/mac/drawingml/2011/main" val="1"/>
+              <ma14:wrappingTextBoxFlag xmlns:ma14="http://schemas.microsoft.com/office/mac/drawingml/2011/main" xmlns:a14="http://schemas.microsoft.com/office/drawing/2010/main" xmlns:m="http://schemas.openxmlformats.org/officeDocument/2006/math" xmlns="" val="1"/>
             </a:ext>
           </a:extLst>
         </p:spPr>
@@ -5016,7 +5062,6 @@
             </a:lvl1pPr>
           </a:lstStyle>
           <a:p>
-            <a:pPr/>
             <a:r>
               <a:t>W</a:t>
             </a:r>
@@ -5032,9 +5077,7 @@
           <p:nvPr/>
         </p:nvPicPr>
         <p:blipFill>
-          <a:blip r:embed="rId2">
-            <a:extLst/>
-          </a:blip>
+          <a:blip r:embed="rId2"/>
           <a:stretch>
             <a:fillRect/>
           </a:stretch>
@@ -5061,10 +5104,8 @@
           <p:nvPr/>
         </p:nvPicPr>
         <p:blipFill>
-          <a:blip r:embed="rId3">
-            <a:extLst/>
-          </a:blip>
-          <a:srcRect l="0" t="0" r="0" b="85789"/>
+          <a:blip r:embed="rId3"/>
+          <a:srcRect b="85789"/>
           <a:stretch>
             <a:fillRect/>
           </a:stretch>
@@ -5120,6 +5161,7 @@
                 </a:solidFill>
               </a:defRPr>
             </a:pPr>
+            <a:endParaRPr/>
           </a:p>
         </p:txBody>
       </p:sp>
@@ -5154,7 +5196,7 @@
             </a:cxnLst>
             <a:rect l="0" t="0" r="r" b="b"/>
             <a:pathLst>
-              <a:path w="21600" h="21600" fill="norm" stroke="1" extrusionOk="0">
+              <a:path w="21600" h="21600" extrusionOk="0">
                 <a:moveTo>
                   <a:pt x="21600" y="21600"/>
                 </a:moveTo>
@@ -5199,6 +5241,7 @@
           <a:lstStyle/>
           <a:p>
             <a:pPr algn="ctr"/>
+            <a:endParaRPr/>
           </a:p>
         </p:txBody>
       </p:sp>
@@ -5252,6 +5295,7 @@
                 </a:solidFill>
               </a:defRPr>
             </a:pPr>
+            <a:endParaRPr/>
           </a:p>
         </p:txBody>
       </p:sp>
@@ -5305,6 +5349,7 @@
                 </a:solidFill>
               </a:defRPr>
             </a:pPr>
+            <a:endParaRPr/>
           </a:p>
         </p:txBody>
       </p:sp>
@@ -5358,6 +5403,7 @@
                 </a:solidFill>
               </a:defRPr>
             </a:pPr>
+            <a:endParaRPr/>
           </a:p>
         </p:txBody>
       </p:sp>
@@ -5392,7 +5438,7 @@
             </a:cxnLst>
             <a:rect l="0" t="0" r="r" b="b"/>
             <a:pathLst>
-              <a:path w="21600" h="21600" fill="norm" stroke="1" extrusionOk="0">
+              <a:path w="21600" h="21600" extrusionOk="0">
                 <a:moveTo>
                   <a:pt x="21600" y="21600"/>
                 </a:moveTo>
@@ -5437,6 +5483,7 @@
           <a:lstStyle/>
           <a:p>
             <a:pPr algn="ctr"/>
+            <a:endParaRPr/>
           </a:p>
         </p:txBody>
       </p:sp>
@@ -5488,6 +5535,7 @@
                 </a:solidFill>
               </a:defRPr>
             </a:pPr>
+            <a:endParaRPr/>
           </a:p>
         </p:txBody>
       </p:sp>
@@ -5539,6 +5587,7 @@
                 </a:solidFill>
               </a:defRPr>
             </a:pPr>
+            <a:endParaRPr/>
           </a:p>
         </p:txBody>
       </p:sp>
@@ -5590,6 +5639,7 @@
                 </a:solidFill>
               </a:defRPr>
             </a:pPr>
+            <a:endParaRPr/>
           </a:p>
         </p:txBody>
       </p:sp>
@@ -5624,7 +5674,7 @@
             </a:cxnLst>
             <a:rect l="0" t="0" r="r" b="b"/>
             <a:pathLst>
-              <a:path w="21600" h="21600" fill="norm" stroke="1" extrusionOk="0">
+              <a:path w="21600" h="21600" extrusionOk="0">
                 <a:moveTo>
                   <a:pt x="21600" y="21600"/>
                 </a:moveTo>
@@ -5669,6 +5719,7 @@
           <a:lstStyle/>
           <a:p>
             <a:pPr algn="ctr"/>
+            <a:endParaRPr/>
           </a:p>
         </p:txBody>
       </p:sp>
@@ -5720,6 +5771,7 @@
                 </a:solidFill>
               </a:defRPr>
             </a:pPr>
+            <a:endParaRPr/>
           </a:p>
         </p:txBody>
       </p:sp>
@@ -5742,7 +5794,7 @@
           </a:ln>
           <a:extLst>
             <a:ext uri="{C572A759-6A51-4108-AA02-DFA0A04FC94B}">
-              <ma14:wrappingTextBoxFlag xmlns:ma14="http://schemas.microsoft.com/office/mac/drawingml/2011/main" val="1"/>
+              <ma14:wrappingTextBoxFlag xmlns:ma14="http://schemas.microsoft.com/office/mac/drawingml/2011/main" xmlns:a14="http://schemas.microsoft.com/office/drawing/2010/main" xmlns:m="http://schemas.openxmlformats.org/officeDocument/2006/math" xmlns="" val="1"/>
             </a:ext>
           </a:extLst>
         </p:spPr>
@@ -5817,6 +5869,7 @@
                 </a:solidFill>
               </a:defRPr>
             </a:pPr>
+            <a:endParaRPr/>
           </a:p>
         </p:txBody>
       </p:sp>
@@ -5868,6 +5921,7 @@
                 </a:solidFill>
               </a:defRPr>
             </a:pPr>
+            <a:endParaRPr/>
           </a:p>
         </p:txBody>
       </p:sp>
@@ -5916,7 +5970,7 @@
               </a:cxnLst>
               <a:rect l="0" t="0" r="r" b="b"/>
               <a:pathLst>
-                <a:path w="21600" h="21600" fill="norm" stroke="1" extrusionOk="0">
+                <a:path w="21600" h="21600" extrusionOk="0">
                   <a:moveTo>
                     <a:pt x="19934" y="21600"/>
                   </a:moveTo>
@@ -6003,6 +6057,7 @@
             <a:lstStyle/>
             <a:p>
               <a:pPr algn="ctr"/>
+              <a:endParaRPr/>
             </a:p>
           </p:txBody>
         </p:sp>
@@ -6037,7 +6092,7 @@
               </a:cxnLst>
               <a:rect l="0" t="0" r="r" b="b"/>
               <a:pathLst>
-                <a:path w="21600" h="21600" fill="norm" stroke="1" extrusionOk="0">
+                <a:path w="21600" h="21600" extrusionOk="0">
                   <a:moveTo>
                     <a:pt x="21600" y="117"/>
                   </a:moveTo>
@@ -6084,6 +6139,7 @@
             <a:lstStyle/>
             <a:p>
               <a:pPr algn="ctr"/>
+              <a:endParaRPr/>
             </a:p>
           </p:txBody>
         </p:sp>
@@ -6118,7 +6174,7 @@
               </a:cxnLst>
               <a:rect l="0" t="0" r="r" b="b"/>
               <a:pathLst>
-                <a:path w="21600" h="21600" fill="norm" stroke="1" extrusionOk="0">
+                <a:path w="21600" h="21600" extrusionOk="0">
                   <a:moveTo>
                     <a:pt x="10459" y="117"/>
                   </a:moveTo>
@@ -6186,6 +6242,7 @@
             <a:lstStyle/>
             <a:p>
               <a:pPr algn="ctr"/>
+              <a:endParaRPr/>
             </a:p>
           </p:txBody>
         </p:sp>
@@ -6211,7 +6268,7 @@
             <p:nvPr/>
           </p:nvSpPr>
           <p:spPr>
-            <a:xfrm flipH="1" rot="968414">
+            <a:xfrm rot="968414" flipH="1">
               <a:off x="82260" y="376220"/>
               <a:ext cx="2847896" cy="995629"/>
             </a:xfrm>
@@ -6235,7 +6292,7 @@
               </a:cxnLst>
               <a:rect l="0" t="0" r="r" b="b"/>
               <a:pathLst>
-                <a:path w="21600" h="21600" fill="norm" stroke="1" extrusionOk="0">
+                <a:path w="21600" h="21600" extrusionOk="0">
                   <a:moveTo>
                     <a:pt x="20017" y="21600"/>
                   </a:moveTo>
@@ -6322,6 +6379,7 @@
             <a:lstStyle/>
             <a:p>
               <a:pPr algn="ctr"/>
+              <a:endParaRPr/>
             </a:p>
           </p:txBody>
         </p:sp>
@@ -6332,7 +6390,7 @@
             <p:nvPr/>
           </p:nvSpPr>
           <p:spPr>
-            <a:xfrm flipH="1" rot="968414">
+            <a:xfrm rot="968414" flipH="1">
               <a:off x="1543426" y="583397"/>
               <a:ext cx="1357355" cy="995629"/>
             </a:xfrm>
@@ -6356,7 +6414,7 @@
               </a:cxnLst>
               <a:rect l="0" t="0" r="r" b="b"/>
               <a:pathLst>
-                <a:path w="21600" h="21600" fill="norm" stroke="1" extrusionOk="0">
+                <a:path w="21600" h="21600" extrusionOk="0">
                   <a:moveTo>
                     <a:pt x="21600" y="37"/>
                   </a:moveTo>
@@ -6403,6 +6461,7 @@
             <a:lstStyle/>
             <a:p>
               <a:pPr algn="ctr"/>
+              <a:endParaRPr/>
             </a:p>
           </p:txBody>
         </p:sp>
@@ -6413,7 +6472,7 @@
             <p:nvPr/>
           </p:nvSpPr>
           <p:spPr>
-            <a:xfrm flipH="1" rot="968414">
+            <a:xfrm rot="968414" flipH="1">
               <a:off x="82260" y="376220"/>
               <a:ext cx="2847896" cy="995629"/>
             </a:xfrm>
@@ -6437,7 +6496,7 @@
               </a:cxnLst>
               <a:rect l="0" t="0" r="r" b="b"/>
               <a:pathLst>
-                <a:path w="21600" h="21600" fill="norm" stroke="1" extrusionOk="0">
+                <a:path w="21600" h="21600" extrusionOk="0">
                   <a:moveTo>
                     <a:pt x="10295" y="37"/>
                   </a:moveTo>
@@ -6505,6 +6564,7 @@
             <a:lstStyle/>
             <a:p>
               <a:pPr algn="ctr"/>
+              <a:endParaRPr/>
             </a:p>
           </p:txBody>
         </p:sp>
@@ -6514,14 +6574,14 @@
   <p:clrMapOvr>
     <a:masterClrMapping/>
   </p:clrMapOvr>
-  <p:transition xmlns:p14="http://schemas.microsoft.com/office/powerpoint/2010/main" spd="med" advClick="1"/>
+  <p:transition spd="med"/>
   <p:timing>
     <p:tnLst>
       <p:par>
-        <p:cTn id="1" nodeType="tmRoot" restart="never" dur="indefinite" fill="hold">
+        <p:cTn id="1" dur="indefinite" restart="never" fill="hold" nodeType="tmRoot">
           <p:childTnLst>
             <p:seq concurrent="1" prevAc="none" nextAc="seek">
-              <p:cTn id="2" nodeType="mainSeq" dur="indefinite" fill="hold">
+              <p:cTn id="2" dur="indefinite" fill="hold" nodeType="mainSeq">
                 <p:childTnLst>
                   <p:par>
                     <p:cTn id="3" fill="hold">
@@ -6536,11 +6596,11 @@
                             </p:stCondLst>
                             <p:childTnLst>
                               <p:par>
-                                <p:cTn id="5" presetClass="entr" nodeType="clickEffect" presetSubtype="0" presetID="1" grpId="1" fill="hold">
+                                <p:cTn id="5" presetID="1" presetClass="entr" presetSubtype="0" fill="hold" grpId="1" nodeType="clickEffect">
                                   <p:stCondLst>
                                     <p:cond delay="0"/>
                                   </p:stCondLst>
-                                  <p:iterate type="el" backwards="0">
+                                  <p:iterate>
                                     <p:tmAbs val="0"/>
                                   </p:iterate>
                                   <p:childTnLst>
@@ -6580,11 +6640,11 @@
                             </p:stCondLst>
                             <p:childTnLst>
                               <p:par>
-                                <p:cTn id="9" presetClass="entr" nodeType="clickEffect" presetSubtype="0" presetID="1" grpId="2" fill="hold">
+                                <p:cTn id="9" presetID="1" presetClass="entr" presetSubtype="0" fill="hold" grpId="2" nodeType="clickEffect">
                                   <p:stCondLst>
                                     <p:cond delay="0"/>
                                   </p:stCondLst>
-                                  <p:iterate type="el" backwards="0">
+                                  <p:iterate>
                                     <p:tmAbs val="0"/>
                                   </p:iterate>
                                   <p:childTnLst>
@@ -6615,11 +6675,11 @@
                             </p:stCondLst>
                             <p:childTnLst>
                               <p:par>
-                                <p:cTn id="12" presetClass="entr" nodeType="afterEffect" presetSubtype="0" presetID="1" grpId="3" fill="hold">
+                                <p:cTn id="12" presetID="1" presetClass="entr" presetSubtype="0" fill="hold" grpId="3" nodeType="afterEffect">
                                   <p:stCondLst>
                                     <p:cond delay="0"/>
                                   </p:stCondLst>
-                                  <p:iterate type="el" backwards="0">
+                                  <p:iterate>
                                     <p:tmAbs val="0"/>
                                   </p:iterate>
                                   <p:childTnLst>
@@ -6650,11 +6710,11 @@
                             </p:stCondLst>
                             <p:childTnLst>
                               <p:par>
-                                <p:cTn id="15" presetClass="entr" nodeType="afterEffect" presetSubtype="0" presetID="1" grpId="4" fill="hold">
+                                <p:cTn id="15" presetID="1" presetClass="entr" presetSubtype="0" fill="hold" grpId="4" nodeType="afterEffect">
                                   <p:stCondLst>
                                     <p:cond delay="0"/>
                                   </p:stCondLst>
-                                  <p:iterate type="el" backwards="0">
+                                  <p:iterate>
                                     <p:tmAbs val="0"/>
                                   </p:iterate>
                                   <p:childTnLst>
@@ -6694,11 +6754,11 @@
                             </p:stCondLst>
                             <p:childTnLst>
                               <p:par>
-                                <p:cTn id="19" presetClass="entr" nodeType="clickEffect" presetSubtype="0" presetID="1" grpId="5" fill="hold">
+                                <p:cTn id="19" presetID="1" presetClass="entr" presetSubtype="0" fill="hold" grpId="5" nodeType="clickEffect">
                                   <p:stCondLst>
                                     <p:cond delay="0"/>
                                   </p:stCondLst>
-                                  <p:iterate type="el" backwards="0">
+                                  <p:iterate>
                                     <p:tmAbs val="0"/>
                                   </p:iterate>
                                   <p:childTnLst>
@@ -6738,11 +6798,11 @@
                             </p:stCondLst>
                             <p:childTnLst>
                               <p:par>
-                                <p:cTn id="23" presetClass="entr" nodeType="clickEffect" presetSubtype="0" presetID="1" grpId="6" fill="hold">
+                                <p:cTn id="23" presetID="1" presetClass="entr" presetSubtype="0" fill="hold" grpId="6" nodeType="clickEffect">
                                   <p:stCondLst>
                                     <p:cond delay="0"/>
                                   </p:stCondLst>
-                                  <p:iterate type="el" backwards="0">
+                                  <p:iterate>
                                     <p:tmAbs val="0"/>
                                   </p:iterate>
                                   <p:childTnLst>
@@ -6773,11 +6833,11 @@
                             </p:stCondLst>
                             <p:childTnLst>
                               <p:par>
-                                <p:cTn id="26" presetClass="entr" nodeType="afterEffect" presetSubtype="0" presetID="1" grpId="7" fill="hold">
+                                <p:cTn id="26" presetID="1" presetClass="entr" presetSubtype="0" fill="hold" grpId="7" nodeType="afterEffect">
                                   <p:stCondLst>
                                     <p:cond delay="0"/>
                                   </p:stCondLst>
-                                  <p:iterate type="el" backwards="0">
+                                  <p:iterate>
                                     <p:tmAbs val="0"/>
                                   </p:iterate>
                                   <p:childTnLst>
@@ -6808,11 +6868,11 @@
                             </p:stCondLst>
                             <p:childTnLst>
                               <p:par>
-                                <p:cTn id="29" presetClass="entr" nodeType="afterEffect" presetSubtype="0" presetID="1" grpId="8" fill="hold">
+                                <p:cTn id="29" presetID="1" presetClass="entr" presetSubtype="0" fill="hold" grpId="8" nodeType="afterEffect">
                                   <p:stCondLst>
                                     <p:cond delay="0"/>
                                   </p:stCondLst>
-                                  <p:iterate type="el" backwards="0">
+                                  <p:iterate>
                                     <p:tmAbs val="0"/>
                                   </p:iterate>
                                   <p:childTnLst>
@@ -6852,11 +6912,11 @@
                             </p:stCondLst>
                             <p:childTnLst>
                               <p:par>
-                                <p:cTn id="33" presetClass="entr" nodeType="clickEffect" presetSubtype="0" presetID="1" grpId="9" fill="hold">
+                                <p:cTn id="33" presetID="1" presetClass="entr" presetSubtype="0" fill="hold" grpId="9" nodeType="clickEffect">
                                   <p:stCondLst>
                                     <p:cond delay="0"/>
                                   </p:stCondLst>
-                                  <p:iterate type="el" backwards="0">
+                                  <p:iterate>
                                     <p:tmAbs val="0"/>
                                   </p:iterate>
                                   <p:childTnLst>
@@ -6896,11 +6956,11 @@
                             </p:stCondLst>
                             <p:childTnLst>
                               <p:par>
-                                <p:cTn id="37" presetClass="entr" nodeType="clickEffect" presetSubtype="0" presetID="1" grpId="10" fill="hold">
+                                <p:cTn id="37" presetID="1" presetClass="entr" presetSubtype="0" fill="hold" grpId="10" nodeType="clickEffect">
                                   <p:stCondLst>
                                     <p:cond delay="0"/>
                                   </p:stCondLst>
-                                  <p:iterate type="el" backwards="0">
+                                  <p:iterate>
                                     <p:tmAbs val="0"/>
                                   </p:iterate>
                                   <p:childTnLst>
@@ -6931,11 +6991,11 @@
                             </p:stCondLst>
                             <p:childTnLst>
                               <p:par>
-                                <p:cTn id="40" presetClass="entr" nodeType="afterEffect" presetSubtype="0" presetID="1" grpId="11" fill="hold">
+                                <p:cTn id="40" presetID="1" presetClass="entr" presetSubtype="0" fill="hold" grpId="11" nodeType="afterEffect">
                                   <p:stCondLst>
                                     <p:cond delay="0"/>
                                   </p:stCondLst>
-                                  <p:iterate type="el" backwards="0">
+                                  <p:iterate>
                                     <p:tmAbs val="0"/>
                                   </p:iterate>
                                   <p:childTnLst>
@@ -6966,11 +7026,11 @@
                             </p:stCondLst>
                             <p:childTnLst>
                               <p:par>
-                                <p:cTn id="43" presetClass="entr" nodeType="afterEffect" presetSubtype="0" presetID="1" grpId="12" fill="hold">
+                                <p:cTn id="43" presetID="1" presetClass="entr" presetSubtype="0" fill="hold" grpId="12" nodeType="afterEffect">
                                   <p:stCondLst>
                                     <p:cond delay="0"/>
                                   </p:stCondLst>
-                                  <p:iterate type="el" backwards="0">
+                                  <p:iterate>
                                     <p:tmAbs val="0"/>
                                   </p:iterate>
                                   <p:childTnLst>
@@ -7010,11 +7070,11 @@
                             </p:stCondLst>
                             <p:childTnLst>
                               <p:par>
-                                <p:cTn id="47" presetClass="entr" nodeType="clickEffect" presetSubtype="0" presetID="1" grpId="13" fill="hold">
+                                <p:cTn id="47" presetID="1" presetClass="entr" presetSubtype="0" fill="hold" grpId="13" nodeType="clickEffect">
                                   <p:stCondLst>
                                     <p:cond delay="0"/>
                                   </p:stCondLst>
-                                  <p:iterate type="el" backwards="0">
+                                  <p:iterate>
                                     <p:tmAbs val="0"/>
                                   </p:iterate>
                                   <p:childTnLst>
@@ -7045,11 +7105,11 @@
                             </p:stCondLst>
                             <p:childTnLst>
                               <p:par>
-                                <p:cTn id="50" presetClass="entr" nodeType="afterEffect" presetSubtype="0" presetID="1" grpId="14" fill="hold">
+                                <p:cTn id="50" presetID="1" presetClass="entr" presetSubtype="0" fill="hold" grpId="14" nodeType="afterEffect">
                                   <p:stCondLst>
                                     <p:cond delay="0"/>
                                   </p:stCondLst>
-                                  <p:iterate type="el" backwards="0">
+                                  <p:iterate>
                                     <p:tmAbs val="0"/>
                                   </p:iterate>
                                   <p:childTnLst>
@@ -7089,11 +7149,11 @@
                             </p:stCondLst>
                             <p:childTnLst>
                               <p:par>
-                                <p:cTn id="54" presetClass="entr" nodeType="clickEffect" presetSubtype="0" presetID="1" grpId="15" fill="hold">
+                                <p:cTn id="54" presetID="1" presetClass="entr" presetSubtype="0" fill="hold" grpId="15" nodeType="clickEffect">
                                   <p:stCondLst>
                                     <p:cond delay="0"/>
                                   </p:stCondLst>
-                                  <p:iterate type="el" backwards="0">
+                                  <p:iterate>
                                     <p:tmAbs val="0"/>
                                   </p:iterate>
                                   <p:childTnLst>
@@ -7124,11 +7184,11 @@
                             </p:stCondLst>
                             <p:childTnLst>
                               <p:par>
-                                <p:cTn id="57" presetClass="entr" nodeType="afterEffect" presetSubtype="0" presetID="1" grpId="16" fill="hold">
+                                <p:cTn id="57" presetID="1" presetClass="entr" presetSubtype="0" fill="hold" grpId="16" nodeType="afterEffect">
                                   <p:stCondLst>
                                     <p:cond delay="0"/>
                                   </p:stCondLst>
-                                  <p:iterate type="el" backwards="0">
+                                  <p:iterate>
                                     <p:tmAbs val="0"/>
                                   </p:iterate>
                                   <p:childTnLst>
@@ -7158,14 +7218,14 @@
                 </p:childTnLst>
               </p:cTn>
               <p:prevCondLst>
-                <p:cond evt="onPrev">
+                <p:cond evt="onPrev" delay="0">
                   <p:tgtEl>
                     <p:sldTgt/>
                   </p:tgtEl>
                 </p:cond>
               </p:prevCondLst>
               <p:nextCondLst>
-                <p:cond evt="onNext">
+                <p:cond evt="onNext" delay="0">
                   <p:tgtEl>
                     <p:sldTgt/>
                   </p:tgtEl>
@@ -7177,29 +7237,29 @@
       </p:par>
     </p:tnLst>
     <p:bldLst>
-      <p:bldP build="whole" bldLvl="1" animBg="1" rev="0" advAuto="0" spid="159" grpId="9"/>
-      <p:bldP build="whole" bldLvl="1" animBg="1" rev="0" advAuto="0" spid="161" grpId="12"/>
-      <p:bldP build="whole" bldLvl="1" animBg="1" rev="0" advAuto="0" spid="160" grpId="10"/>
-      <p:bldP build="whole" bldLvl="1" animBg="1" rev="0" advAuto="0" spid="158" grpId="8"/>
-      <p:bldP build="whole" bldLvl="1" animBg="1" rev="0" advAuto="0" spid="164" grpId="16"/>
-      <p:bldP build="whole" bldLvl="1" animBg="1" rev="0" advAuto="0" spid="156" grpId="6"/>
-      <p:bldP build="whole" bldLvl="1" animBg="1" rev="0" advAuto="0" spid="151" grpId="1"/>
-      <p:bldP build="whole" bldLvl="1" animBg="1" rev="0" advAuto="0" spid="172" grpId="13"/>
-      <p:bldP build="whole" bldLvl="1" animBg="1" rev="0" advAuto="0" spid="157" grpId="7"/>
-      <p:bldP build="whole" bldLvl="1" animBg="1" rev="0" advAuto="0" spid="152" grpId="2"/>
-      <p:bldP build="whole" bldLvl="1" animBg="1" rev="0" advAuto="0" spid="153" grpId="3"/>
-      <p:bldP build="whole" bldLvl="1" animBg="1" rev="0" advAuto="0" spid="155" grpId="5"/>
-      <p:bldP build="whole" bldLvl="1" animBg="1" rev="0" advAuto="0" spid="154" grpId="4"/>
-      <p:bldP build="whole" bldLvl="1" animBg="1" rev="0" advAuto="0" spid="162" grpId="11"/>
-      <p:bldP build="whole" bldLvl="1" animBg="1" rev="0" advAuto="0" spid="163" grpId="14"/>
-      <p:bldP build="whole" bldLvl="1" animBg="1" rev="0" advAuto="0" spid="168" grpId="15"/>
+      <p:bldP spid="151" grpId="1" animBg="1" advAuto="0"/>
+      <p:bldP spid="152" grpId="2" animBg="1" advAuto="0"/>
+      <p:bldP spid="153" grpId="3" animBg="1" advAuto="0"/>
+      <p:bldP spid="154" grpId="4" animBg="1" advAuto="0"/>
+      <p:bldP spid="155" grpId="5" animBg="1" advAuto="0"/>
+      <p:bldP spid="156" grpId="6" animBg="1" advAuto="0"/>
+      <p:bldP spid="157" grpId="7" animBg="1" advAuto="0"/>
+      <p:bldP spid="158" grpId="8" animBg="1" advAuto="0"/>
+      <p:bldP spid="159" grpId="9" animBg="1" advAuto="0"/>
+      <p:bldP spid="160" grpId="10" animBg="1" advAuto="0"/>
+      <p:bldP spid="161" grpId="12" animBg="1" advAuto="0"/>
+      <p:bldP spid="162" grpId="11" animBg="1" advAuto="0"/>
+      <p:bldP spid="163" grpId="14" animBg="1" advAuto="0"/>
+      <p:bldP spid="164" grpId="16" animBg="1" advAuto="0"/>
+      <p:bldP spid="168" grpId="15" animBg="1" advAuto="0"/>
+      <p:bldP spid="172" grpId="13" animBg="1" advAuto="0"/>
     </p:bldLst>
   </p:timing>
 </p:sld>
 </file>
 
 <file path=ppt/slides/slide5.xml><?xml version="1.0" encoding="utf-8"?>
-<p:sld xmlns:a="http://schemas.openxmlformats.org/drawingml/2006/main" xmlns:r="http://schemas.openxmlformats.org/officeDocument/2006/relationships" xmlns:p="http://schemas.openxmlformats.org/presentationml/2006/main" xmlns:m="http://schemas.openxmlformats.org/officeDocument/2006/math" xmlns:a14="http://schemas.microsoft.com/office/drawing/2010/main" showMasterSp="1" showMasterPhAnim="1">
+<p:sld xmlns:a="http://schemas.openxmlformats.org/drawingml/2006/main" xmlns:r="http://schemas.openxmlformats.org/officeDocument/2006/relationships" xmlns:p="http://schemas.openxmlformats.org/presentationml/2006/main">
   <p:cSld>
     <p:spTree>
       <p:nvGrpSpPr>
@@ -7234,7 +7294,7 @@
           </a:ln>
           <a:extLst>
             <a:ext uri="{C572A759-6A51-4108-AA02-DFA0A04FC94B}">
-              <ma14:wrappingTextBoxFlag xmlns:ma14="http://schemas.microsoft.com/office/mac/drawingml/2011/main" val="1"/>
+              <ma14:wrappingTextBoxFlag xmlns:ma14="http://schemas.microsoft.com/office/mac/drawingml/2011/main" xmlns:a14="http://schemas.microsoft.com/office/drawing/2010/main" xmlns:m="http://schemas.openxmlformats.org/officeDocument/2006/math" xmlns="" val="1"/>
             </a:ext>
           </a:extLst>
         </p:spPr>
@@ -7252,42 +7312,12 @@
             </a:lvl1pPr>
           </a:lstStyle>
           <a:p>
-            <a:pPr/>
             <a:r>
               <a:t>The Memory Challenge</a:t>
             </a:r>
           </a:p>
         </p:txBody>
       </p:sp>
-      <p:pic>
-        <p:nvPicPr>
-          <p:cNvPr id="175" name="Grafik 2" descr="Grafik 2"/>
-          <p:cNvPicPr>
-            <a:picLocks noChangeAspect="1"/>
-          </p:cNvPicPr>
-          <p:nvPr/>
-        </p:nvPicPr>
-        <p:blipFill>
-          <a:blip r:embed="rId2">
-            <a:extLst/>
-          </a:blip>
-          <a:stretch>
-            <a:fillRect/>
-          </a:stretch>
-        </p:blipFill>
-        <p:spPr>
-          <a:xfrm>
-            <a:off x="1147917" y="2204785"/>
-            <a:ext cx="2267267" cy="3591428"/>
-          </a:xfrm>
-          <a:prstGeom prst="rect">
-            <a:avLst/>
-          </a:prstGeom>
-          <a:ln w="12700">
-            <a:miter lim="400000"/>
-          </a:ln>
-        </p:spPr>
-      </p:pic>
       <p:pic>
         <p:nvPicPr>
           <p:cNvPr id="176" name="Grafik 3" descr="Grafik 3"/>
@@ -7297,16 +7327,14 @@
           <p:nvPr/>
         </p:nvPicPr>
         <p:blipFill>
-          <a:blip r:embed="rId3">
-            <a:extLst/>
-          </a:blip>
+          <a:blip r:embed="rId2"/>
           <a:stretch>
             <a:fillRect/>
           </a:stretch>
         </p:blipFill>
         <p:spPr>
           <a:xfrm>
-            <a:off x="4722014" y="1757047"/>
+            <a:off x="4451208" y="1757047"/>
             <a:ext cx="2286320" cy="4486902"/>
           </a:xfrm>
           <a:prstGeom prst="rect">
@@ -7325,7 +7353,7 @@
         </p:nvGrpSpPr>
         <p:grpSpPr>
           <a:xfrm>
-            <a:off x="7678291" y="2332333"/>
+            <a:off x="7678291" y="2093321"/>
             <a:ext cx="3365792" cy="3814355"/>
             <a:chOff x="0" y="0"/>
             <a:chExt cx="3365791" cy="3814353"/>
@@ -7340,9 +7368,7 @@
             <p:nvPr/>
           </p:nvPicPr>
           <p:blipFill>
-            <a:blip r:embed="rId4">
-              <a:extLst/>
-            </a:blip>
+            <a:blip r:embed="rId3"/>
             <a:stretch>
               <a:fillRect/>
             </a:stretch>
@@ -7371,9 +7397,7 @@
             <p:nvPr/>
           </p:nvPicPr>
           <p:blipFill>
-            <a:blip r:embed="rId5">
-              <a:extLst/>
-            </a:blip>
+            <a:blip r:embed="rId4"/>
             <a:stretch>
               <a:fillRect/>
             </a:stretch>
@@ -7432,6 +7456,7 @@
                   </a:solidFill>
                 </a:defRPr>
               </a:pPr>
+              <a:endParaRPr/>
             </a:p>
           </p:txBody>
         </p:sp>
@@ -7470,20 +7495,51 @@
                 </a:solidFill>
               </a:defRPr>
             </a:pPr>
+            <a:endParaRPr/>
           </a:p>
         </p:txBody>
       </p:sp>
+      <p:pic>
+        <p:nvPicPr>
+          <p:cNvPr id="2" name="Grafik 1">
+            <a:extLst>
+              <a:ext uri="{FF2B5EF4-FFF2-40B4-BE49-F238E27FC236}">
+                <a16:creationId xmlns:a16="http://schemas.microsoft.com/office/drawing/2014/main" id="{AFEA168E-D7A0-48F8-A174-C50B7F1DC492}"/>
+              </a:ext>
+            </a:extLst>
+          </p:cNvPr>
+          <p:cNvPicPr>
+            <a:picLocks noChangeAspect="1"/>
+          </p:cNvPicPr>
+          <p:nvPr/>
+        </p:nvPicPr>
+        <p:blipFill>
+          <a:blip r:embed="rId5"/>
+          <a:stretch>
+            <a:fillRect/>
+          </a:stretch>
+        </p:blipFill>
+        <p:spPr>
+          <a:xfrm>
+            <a:off x="1147916" y="1785627"/>
+            <a:ext cx="2362530" cy="4429743"/>
+          </a:xfrm>
+          <a:prstGeom prst="rect">
+            <a:avLst/>
+          </a:prstGeom>
+        </p:spPr>
+      </p:pic>
     </p:spTree>
   </p:cSld>
   <p:clrMapOvr>
     <a:masterClrMapping/>
   </p:clrMapOvr>
-  <p:transition xmlns:p14="http://schemas.microsoft.com/office/powerpoint/2010/main" spd="med" advClick="1"/>
+  <p:transition spd="med"/>
 </p:sld>
 </file>
 
 <file path=ppt/slides/slide6.xml><?xml version="1.0" encoding="utf-8"?>
-<p:sld xmlns:a="http://schemas.openxmlformats.org/drawingml/2006/main" xmlns:r="http://schemas.openxmlformats.org/officeDocument/2006/relationships" xmlns:p="http://schemas.openxmlformats.org/presentationml/2006/main" xmlns:m="http://schemas.openxmlformats.org/officeDocument/2006/math" xmlns:a14="http://schemas.microsoft.com/office/drawing/2010/main" showMasterSp="1" showMasterPhAnim="1">
+<p:sld xmlns:a="http://schemas.openxmlformats.org/drawingml/2006/main" xmlns:r="http://schemas.openxmlformats.org/officeDocument/2006/relationships" xmlns:p="http://schemas.openxmlformats.org/presentationml/2006/main">
   <p:cSld>
     <p:spTree>
       <p:nvGrpSpPr>
@@ -7533,6 +7589,7 @@
                 </a:solidFill>
               </a:defRPr>
             </a:pPr>
+            <a:endParaRPr/>
           </a:p>
         </p:txBody>
       </p:sp>
@@ -7555,7 +7612,7 @@
           </a:ln>
           <a:extLst>
             <a:ext uri="{C572A759-6A51-4108-AA02-DFA0A04FC94B}">
-              <ma14:wrappingTextBoxFlag xmlns:ma14="http://schemas.microsoft.com/office/mac/drawingml/2011/main" val="1"/>
+              <ma14:wrappingTextBoxFlag xmlns:ma14="http://schemas.microsoft.com/office/mac/drawingml/2011/main" xmlns:a14="http://schemas.microsoft.com/office/drawing/2010/main" xmlns:m="http://schemas.openxmlformats.org/officeDocument/2006/math" xmlns="" val="1"/>
             </a:ext>
           </a:extLst>
         </p:spPr>
@@ -7573,7 +7630,6 @@
             </a:lvl1pPr>
           </a:lstStyle>
           <a:p>
-            <a:pPr/>
             <a:r>
               <a:t>Runtimes</a:t>
             </a:r>
@@ -7589,9 +7645,7 @@
           <p:nvPr/>
         </p:nvPicPr>
         <p:blipFill>
-          <a:blip r:embed="rId3">
-            <a:extLst/>
-          </a:blip>
+          <a:blip r:embed="rId3"/>
           <a:stretch>
             <a:fillRect/>
           </a:stretch>
@@ -7618,9 +7672,7 @@
           <p:nvPr/>
         </p:nvPicPr>
         <p:blipFill>
-          <a:blip r:embed="rId4">
-            <a:extLst/>
-          </a:blip>
+          <a:blip r:embed="rId4"/>
           <a:stretch>
             <a:fillRect/>
           </a:stretch>
@@ -7643,14 +7695,14 @@
   <p:clrMapOvr>
     <a:masterClrMapping/>
   </p:clrMapOvr>
-  <p:transition xmlns:p14="http://schemas.microsoft.com/office/powerpoint/2010/main" spd="med" advClick="1"/>
+  <p:transition spd="med"/>
   <p:timing>
     <p:tnLst>
       <p:par>
-        <p:cTn id="1" nodeType="tmRoot" restart="never" dur="indefinite" fill="hold">
+        <p:cTn id="1" dur="indefinite" restart="never" fill="hold" nodeType="tmRoot">
           <p:childTnLst>
             <p:seq concurrent="1" prevAc="none" nextAc="seek">
-              <p:cTn id="2" nodeType="mainSeq" dur="indefinite" fill="hold">
+              <p:cTn id="2" dur="indefinite" fill="hold" nodeType="mainSeq">
                 <p:childTnLst>
                   <p:par>
                     <p:cTn id="3" fill="hold">
@@ -7665,11 +7717,11 @@
                             </p:stCondLst>
                             <p:childTnLst>
                               <p:par>
-                                <p:cTn id="5" presetClass="entr" nodeType="clickEffect" presetSubtype="0" presetID="1" grpId="1" fill="hold">
+                                <p:cTn id="5" presetID="1" presetClass="entr" presetSubtype="0" fill="hold" grpId="1" nodeType="clickEffect">
                                   <p:stCondLst>
                                     <p:cond delay="0"/>
                                   </p:stCondLst>
-                                  <p:iterate type="el" backwards="0">
+                                  <p:iterate>
                                     <p:tmAbs val="0"/>
                                   </p:iterate>
                                   <p:childTnLst>
@@ -7699,14 +7751,14 @@
                 </p:childTnLst>
               </p:cTn>
               <p:prevCondLst>
-                <p:cond evt="onPrev">
+                <p:cond evt="onPrev" delay="0">
                   <p:tgtEl>
                     <p:sldTgt/>
                   </p:tgtEl>
                 </p:cond>
               </p:prevCondLst>
               <p:nextCondLst>
-                <p:cond evt="onNext">
+                <p:cond evt="onNext" delay="0">
                   <p:tgtEl>
                     <p:sldTgt/>
                   </p:tgtEl>
@@ -7718,14 +7770,14 @@
       </p:par>
     </p:tnLst>
     <p:bldLst>
-      <p:bldP build="whole" bldLvl="1" animBg="1" rev="0" advAuto="0" spid="186" grpId="1"/>
+      <p:bldP spid="186" grpId="1" animBg="1" advAuto="0"/>
     </p:bldLst>
   </p:timing>
 </p:sld>
 </file>
 
 <file path=ppt/slides/slide7.xml><?xml version="1.0" encoding="utf-8"?>
-<p:sld xmlns:a="http://schemas.openxmlformats.org/drawingml/2006/main" xmlns:r="http://schemas.openxmlformats.org/officeDocument/2006/relationships" xmlns:p="http://schemas.openxmlformats.org/presentationml/2006/main" xmlns:m="http://schemas.openxmlformats.org/officeDocument/2006/math" xmlns:a14="http://schemas.microsoft.com/office/drawing/2010/main" showMasterSp="1" showMasterPhAnim="1">
+<p:sld xmlns:a="http://schemas.openxmlformats.org/drawingml/2006/main" xmlns:r="http://schemas.openxmlformats.org/officeDocument/2006/relationships" xmlns:p="http://schemas.openxmlformats.org/presentationml/2006/main">
   <p:cSld>
     <p:spTree>
       <p:nvGrpSpPr>
@@ -7750,16 +7802,14 @@
           <p:nvPr/>
         </p:nvPicPr>
         <p:blipFill>
-          <a:blip r:embed="rId2">
-            <a:extLst/>
-          </a:blip>
+          <a:blip r:embed="rId2"/>
           <a:stretch>
             <a:fillRect/>
           </a:stretch>
         </p:blipFill>
         <p:spPr>
           <a:xfrm>
-            <a:off x="3136900" y="2070100"/>
+            <a:off x="3126257" y="2623787"/>
             <a:ext cx="5918200" cy="2717800"/>
           </a:xfrm>
           <a:prstGeom prst="rect">
@@ -7789,7 +7839,7 @@
           </a:ln>
           <a:extLst>
             <a:ext uri="{C572A759-6A51-4108-AA02-DFA0A04FC94B}">
-              <ma14:wrappingTextBoxFlag xmlns:ma14="http://schemas.microsoft.com/office/mac/drawingml/2011/main" val="1"/>
+              <ma14:wrappingTextBoxFlag xmlns:ma14="http://schemas.microsoft.com/office/mac/drawingml/2011/main" xmlns:a14="http://schemas.microsoft.com/office/drawing/2010/main" xmlns:m="http://schemas.openxmlformats.org/officeDocument/2006/math" xmlns="" val="1"/>
             </a:ext>
           </a:extLst>
         </p:spPr>
@@ -7807,7 +7857,6 @@
             </a:lvl1pPr>
           </a:lstStyle>
           <a:p>
-            <a:pPr/>
             <a:r>
               <a:t>Hybrid approach</a:t>
             </a:r>
@@ -7848,6 +7897,7 @@
                 </a:solidFill>
               </a:defRPr>
             </a:pPr>
+            <a:endParaRPr/>
           </a:p>
         </p:txBody>
       </p:sp>
@@ -7856,12 +7906,12 @@
   <p:clrMapOvr>
     <a:masterClrMapping/>
   </p:clrMapOvr>
-  <p:transition xmlns:p14="http://schemas.microsoft.com/office/powerpoint/2010/main" spd="med" advClick="1"/>
+  <p:transition spd="med"/>
 </p:sld>
 </file>
 
 <file path=ppt/theme/theme1.xml><?xml version="1.0" encoding="utf-8"?>
-<a:theme xmlns:a="http://schemas.openxmlformats.org/drawingml/2006/main" xmlns:r="http://schemas.openxmlformats.org/officeDocument/2006/relationships" name="Office">
+<a:theme xmlns:a="http://schemas.openxmlformats.org/drawingml/2006/main" name="Office">
   <a:themeElements>
     <a:clrScheme name="Office">
       <a:dk1>
@@ -8063,7 +8113,7 @@
         <a:effectLst/>
         <a:sp3d/>
       </a:spPr>
-      <a:bodyPr rot="0" spcFirstLastPara="1" vertOverflow="overflow" horzOverflow="overflow" vert="horz" wrap="square" lIns="45719" tIns="45719" rIns="45719" bIns="45719" numCol="1" spcCol="38100" rtlCol="0" anchor="ctr" upright="0">
+      <a:bodyPr rot="0" spcFirstLastPara="1" vertOverflow="overflow" horzOverflow="overflow" vert="horz" wrap="square" lIns="45719" tIns="45719" rIns="45719" bIns="45719" numCol="1" spcCol="38100" rtlCol="0" anchor="ctr">
         <a:spAutoFit/>
       </a:bodyPr>
       <a:lstStyle>
@@ -8082,7 +8132,7 @@
           <a:buFontTx/>
           <a:buNone/>
           <a:tabLst/>
-          <a:defRPr b="0" baseline="0" cap="none" i="0" spc="0" strike="noStrike" sz="1800" u="none" kumimoji="0" normalizeH="0">
+          <a:defRPr kumimoji="0" sz="1800" b="0" i="0" u="none" strike="noStrike" cap="none" spc="0" normalizeH="0" baseline="0">
             <a:ln>
               <a:noFill/>
             </a:ln>
@@ -8112,7 +8162,7 @@
           <a:buFontTx/>
           <a:buNone/>
           <a:tabLst/>
-          <a:defRPr b="0" baseline="0" cap="none" i="0" spc="0" strike="noStrike" sz="1800" u="none" kumimoji="0" normalizeH="0">
+          <a:defRPr kumimoji="0" sz="1800" b="0" i="0" u="none" strike="noStrike" cap="none" spc="0" normalizeH="0" baseline="0">
             <a:ln>
               <a:noFill/>
             </a:ln>
@@ -8138,7 +8188,7 @@
           <a:buFontTx/>
           <a:buNone/>
           <a:tabLst/>
-          <a:defRPr b="0" baseline="0" cap="none" i="0" spc="0" strike="noStrike" sz="1800" u="none" kumimoji="0" normalizeH="0">
+          <a:defRPr kumimoji="0" sz="1800" b="0" i="0" u="none" strike="noStrike" cap="none" spc="0" normalizeH="0" baseline="0">
             <a:ln>
               <a:noFill/>
             </a:ln>
@@ -8164,7 +8214,7 @@
           <a:buFontTx/>
           <a:buNone/>
           <a:tabLst/>
-          <a:defRPr b="0" baseline="0" cap="none" i="0" spc="0" strike="noStrike" sz="1800" u="none" kumimoji="0" normalizeH="0">
+          <a:defRPr kumimoji="0" sz="1800" b="0" i="0" u="none" strike="noStrike" cap="none" spc="0" normalizeH="0" baseline="0">
             <a:ln>
               <a:noFill/>
             </a:ln>
@@ -8190,7 +8240,7 @@
           <a:buFontTx/>
           <a:buNone/>
           <a:tabLst/>
-          <a:defRPr b="0" baseline="0" cap="none" i="0" spc="0" strike="noStrike" sz="1800" u="none" kumimoji="0" normalizeH="0">
+          <a:defRPr kumimoji="0" sz="1800" b="0" i="0" u="none" strike="noStrike" cap="none" spc="0" normalizeH="0" baseline="0">
             <a:ln>
               <a:noFill/>
             </a:ln>
@@ -8216,7 +8266,7 @@
           <a:buFontTx/>
           <a:buNone/>
           <a:tabLst/>
-          <a:defRPr b="0" baseline="0" cap="none" i="0" spc="0" strike="noStrike" sz="1800" u="none" kumimoji="0" normalizeH="0">
+          <a:defRPr kumimoji="0" sz="1800" b="0" i="0" u="none" strike="noStrike" cap="none" spc="0" normalizeH="0" baseline="0">
             <a:ln>
               <a:noFill/>
             </a:ln>
@@ -8242,7 +8292,7 @@
           <a:buFontTx/>
           <a:buNone/>
           <a:tabLst/>
-          <a:defRPr b="0" baseline="0" cap="none" i="0" spc="0" strike="noStrike" sz="1800" u="none" kumimoji="0" normalizeH="0">
+          <a:defRPr kumimoji="0" sz="1800" b="0" i="0" u="none" strike="noStrike" cap="none" spc="0" normalizeH="0" baseline="0">
             <a:ln>
               <a:noFill/>
             </a:ln>
@@ -8268,7 +8318,7 @@
           <a:buFontTx/>
           <a:buNone/>
           <a:tabLst/>
-          <a:defRPr b="0" baseline="0" cap="none" i="0" spc="0" strike="noStrike" sz="1800" u="none" kumimoji="0" normalizeH="0">
+          <a:defRPr kumimoji="0" sz="1800" b="0" i="0" u="none" strike="noStrike" cap="none" spc="0" normalizeH="0" baseline="0">
             <a:ln>
               <a:noFill/>
             </a:ln>
@@ -8294,7 +8344,7 @@
           <a:buFontTx/>
           <a:buNone/>
           <a:tabLst/>
-          <a:defRPr b="0" baseline="0" cap="none" i="0" spc="0" strike="noStrike" sz="1800" u="none" kumimoji="0" normalizeH="0">
+          <a:defRPr kumimoji="0" sz="1800" b="0" i="0" u="none" strike="noStrike" cap="none" spc="0" normalizeH="0" baseline="0">
             <a:ln>
               <a:noFill/>
             </a:ln>
@@ -8320,7 +8370,7 @@
           <a:buFontTx/>
           <a:buNone/>
           <a:tabLst/>
-          <a:defRPr b="0" baseline="0" cap="none" i="0" spc="0" strike="noStrike" sz="1800" u="none" kumimoji="0" normalizeH="0">
+          <a:defRPr kumimoji="0" sz="1800" b="0" i="0" u="none" strike="noStrike" cap="none" spc="0" normalizeH="0" baseline="0">
             <a:ln>
               <a:noFill/>
             </a:ln>
@@ -8333,9 +8383,15 @@
         </a:lvl9pPr>
       </a:lstStyle>
       <a:style>
-        <a:lnRef idx="0"/>
-        <a:fillRef idx="0"/>
-        <a:effectRef idx="0"/>
+        <a:lnRef idx="0">
+          <a:scrgbClr r="0" g="0" b="0"/>
+        </a:lnRef>
+        <a:fillRef idx="0">
+          <a:scrgbClr r="0" g="0" b="0"/>
+        </a:fillRef>
+        <a:effectRef idx="0">
+          <a:scrgbClr r="0" g="0" b="0"/>
+        </a:effectRef>
         <a:fontRef idx="none"/>
       </a:style>
     </a:spDef>
@@ -8352,7 +8408,7 @@
         <a:effectLst/>
         <a:sp3d/>
       </a:spPr>
-      <a:bodyPr rot="0" spcFirstLastPara="1" vertOverflow="overflow" horzOverflow="overflow" vert="horz" wrap="square" lIns="91439" tIns="45719" rIns="91439" bIns="45719" numCol="1" spcCol="38100" rtlCol="0" anchor="t" upright="0">
+      <a:bodyPr rot="0" spcFirstLastPara="1" vertOverflow="overflow" horzOverflow="overflow" vert="horz" wrap="square" lIns="91439" tIns="45719" rIns="91439" bIns="45719" numCol="1" spcCol="38100" rtlCol="0" anchor="t">
         <a:noAutofit/>
       </a:bodyPr>
       <a:lstStyle>
@@ -8371,7 +8427,7 @@
           <a:buFontTx/>
           <a:buNone/>
           <a:tabLst/>
-          <a:defRPr b="0" baseline="0" cap="none" i="0" spc="0" strike="noStrike" sz="1800" u="none" kumimoji="0" normalizeH="0">
+          <a:defRPr kumimoji="0" sz="1800" b="0" i="0" u="none" strike="noStrike" cap="none" spc="0" normalizeH="0" baseline="0">
             <a:ln>
               <a:noFill/>
             </a:ln>
@@ -8397,7 +8453,7 @@
           <a:buFontTx/>
           <a:buNone/>
           <a:tabLst/>
-          <a:defRPr b="0" baseline="0" cap="none" i="0" spc="0" strike="noStrike" sz="1800" u="none" kumimoji="0" normalizeH="0">
+          <a:defRPr kumimoji="0" sz="1800" b="0" i="0" u="none" strike="noStrike" cap="none" spc="0" normalizeH="0" baseline="0">
             <a:ln>
               <a:noFill/>
             </a:ln>
@@ -8423,7 +8479,7 @@
           <a:buFontTx/>
           <a:buNone/>
           <a:tabLst/>
-          <a:defRPr b="0" baseline="0" cap="none" i="0" spc="0" strike="noStrike" sz="1800" u="none" kumimoji="0" normalizeH="0">
+          <a:defRPr kumimoji="0" sz="1800" b="0" i="0" u="none" strike="noStrike" cap="none" spc="0" normalizeH="0" baseline="0">
             <a:ln>
               <a:noFill/>
             </a:ln>
@@ -8449,7 +8505,7 @@
           <a:buFontTx/>
           <a:buNone/>
           <a:tabLst/>
-          <a:defRPr b="0" baseline="0" cap="none" i="0" spc="0" strike="noStrike" sz="1800" u="none" kumimoji="0" normalizeH="0">
+          <a:defRPr kumimoji="0" sz="1800" b="0" i="0" u="none" strike="noStrike" cap="none" spc="0" normalizeH="0" baseline="0">
             <a:ln>
               <a:noFill/>
             </a:ln>
@@ -8475,7 +8531,7 @@
           <a:buFontTx/>
           <a:buNone/>
           <a:tabLst/>
-          <a:defRPr b="0" baseline="0" cap="none" i="0" spc="0" strike="noStrike" sz="1800" u="none" kumimoji="0" normalizeH="0">
+          <a:defRPr kumimoji="0" sz="1800" b="0" i="0" u="none" strike="noStrike" cap="none" spc="0" normalizeH="0" baseline="0">
             <a:ln>
               <a:noFill/>
             </a:ln>
@@ -8501,7 +8557,7 @@
           <a:buFontTx/>
           <a:buNone/>
           <a:tabLst/>
-          <a:defRPr b="0" baseline="0" cap="none" i="0" spc="0" strike="noStrike" sz="1800" u="none" kumimoji="0" normalizeH="0">
+          <a:defRPr kumimoji="0" sz="1800" b="0" i="0" u="none" strike="noStrike" cap="none" spc="0" normalizeH="0" baseline="0">
             <a:ln>
               <a:noFill/>
             </a:ln>
@@ -8527,7 +8583,7 @@
           <a:buFontTx/>
           <a:buNone/>
           <a:tabLst/>
-          <a:defRPr b="0" baseline="0" cap="none" i="0" spc="0" strike="noStrike" sz="1800" u="none" kumimoji="0" normalizeH="0">
+          <a:defRPr kumimoji="0" sz="1800" b="0" i="0" u="none" strike="noStrike" cap="none" spc="0" normalizeH="0" baseline="0">
             <a:ln>
               <a:noFill/>
             </a:ln>
@@ -8553,7 +8609,7 @@
           <a:buFontTx/>
           <a:buNone/>
           <a:tabLst/>
-          <a:defRPr b="0" baseline="0" cap="none" i="0" spc="0" strike="noStrike" sz="1800" u="none" kumimoji="0" normalizeH="0">
+          <a:defRPr kumimoji="0" sz="1800" b="0" i="0" u="none" strike="noStrike" cap="none" spc="0" normalizeH="0" baseline="0">
             <a:ln>
               <a:noFill/>
             </a:ln>
@@ -8579,7 +8635,7 @@
           <a:buFontTx/>
           <a:buNone/>
           <a:tabLst/>
-          <a:defRPr b="0" baseline="0" cap="none" i="0" spc="0" strike="noStrike" sz="1800" u="none" kumimoji="0" normalizeH="0">
+          <a:defRPr kumimoji="0" sz="1800" b="0" i="0" u="none" strike="noStrike" cap="none" spc="0" normalizeH="0" baseline="0">
             <a:ln>
               <a:noFill/>
             </a:ln>
@@ -8605,7 +8661,7 @@
           <a:buFontTx/>
           <a:buNone/>
           <a:tabLst/>
-          <a:defRPr b="0" baseline="0" cap="none" i="0" spc="0" strike="noStrike" sz="1800" u="none" kumimoji="0" normalizeH="0">
+          <a:defRPr kumimoji="0" sz="1800" b="0" i="0" u="none" strike="noStrike" cap="none" spc="0" normalizeH="0" baseline="0">
             <a:ln>
               <a:noFill/>
             </a:ln>
@@ -8618,9 +8674,15 @@
         </a:lvl9pPr>
       </a:lstStyle>
       <a:style>
-        <a:lnRef idx="0"/>
-        <a:fillRef idx="0"/>
-        <a:effectRef idx="0"/>
+        <a:lnRef idx="0">
+          <a:scrgbClr r="0" g="0" b="0"/>
+        </a:lnRef>
+        <a:fillRef idx="0">
+          <a:scrgbClr r="0" g="0" b="0"/>
+        </a:fillRef>
+        <a:effectRef idx="0">
+          <a:scrgbClr r="0" g="0" b="0"/>
+        </a:effectRef>
         <a:fontRef idx="none"/>
       </a:style>
     </a:lnDef>
@@ -8634,7 +8696,7 @@
         <a:effectLst/>
         <a:sp3d/>
       </a:spPr>
-      <a:bodyPr rot="0" spcFirstLastPara="1" vertOverflow="overflow" horzOverflow="overflow" vert="horz" wrap="square" lIns="45719" tIns="45719" rIns="45719" bIns="45719" numCol="1" spcCol="38100" rtlCol="0" anchor="t" upright="0">
+      <a:bodyPr rot="0" spcFirstLastPara="1" vertOverflow="overflow" horzOverflow="overflow" vert="horz" wrap="square" lIns="45719" tIns="45719" rIns="45719" bIns="45719" numCol="1" spcCol="38100" rtlCol="0" anchor="t">
         <a:spAutoFit/>
       </a:bodyPr>
       <a:lstStyle>
@@ -8653,7 +8715,7 @@
           <a:buFontTx/>
           <a:buNone/>
           <a:tabLst/>
-          <a:defRPr b="0" baseline="0" cap="none" i="0" spc="0" strike="noStrike" sz="1800" u="none" kumimoji="0" normalizeH="0">
+          <a:defRPr kumimoji="0" sz="1800" b="0" i="0" u="none" strike="noStrike" cap="none" spc="0" normalizeH="0" baseline="0">
             <a:ln>
               <a:noFill/>
             </a:ln>
@@ -8683,7 +8745,7 @@
           <a:buFontTx/>
           <a:buNone/>
           <a:tabLst/>
-          <a:defRPr b="0" baseline="0" cap="none" i="0" spc="0" strike="noStrike" sz="1800" u="none" kumimoji="0" normalizeH="0">
+          <a:defRPr kumimoji="0" sz="1800" b="0" i="0" u="none" strike="noStrike" cap="none" spc="0" normalizeH="0" baseline="0">
             <a:ln>
               <a:noFill/>
             </a:ln>
@@ -8709,7 +8771,7 @@
           <a:buFontTx/>
           <a:buNone/>
           <a:tabLst/>
-          <a:defRPr b="0" baseline="0" cap="none" i="0" spc="0" strike="noStrike" sz="1800" u="none" kumimoji="0" normalizeH="0">
+          <a:defRPr kumimoji="0" sz="1800" b="0" i="0" u="none" strike="noStrike" cap="none" spc="0" normalizeH="0" baseline="0">
             <a:ln>
               <a:noFill/>
             </a:ln>
@@ -8735,7 +8797,7 @@
           <a:buFontTx/>
           <a:buNone/>
           <a:tabLst/>
-          <a:defRPr b="0" baseline="0" cap="none" i="0" spc="0" strike="noStrike" sz="1800" u="none" kumimoji="0" normalizeH="0">
+          <a:defRPr kumimoji="0" sz="1800" b="0" i="0" u="none" strike="noStrike" cap="none" spc="0" normalizeH="0" baseline="0">
             <a:ln>
               <a:noFill/>
             </a:ln>
@@ -8761,7 +8823,7 @@
           <a:buFontTx/>
           <a:buNone/>
           <a:tabLst/>
-          <a:defRPr b="0" baseline="0" cap="none" i="0" spc="0" strike="noStrike" sz="1800" u="none" kumimoji="0" normalizeH="0">
+          <a:defRPr kumimoji="0" sz="1800" b="0" i="0" u="none" strike="noStrike" cap="none" spc="0" normalizeH="0" baseline="0">
             <a:ln>
               <a:noFill/>
             </a:ln>
@@ -8787,7 +8849,7 @@
           <a:buFontTx/>
           <a:buNone/>
           <a:tabLst/>
-          <a:defRPr b="0" baseline="0" cap="none" i="0" spc="0" strike="noStrike" sz="1800" u="none" kumimoji="0" normalizeH="0">
+          <a:defRPr kumimoji="0" sz="1800" b="0" i="0" u="none" strike="noStrike" cap="none" spc="0" normalizeH="0" baseline="0">
             <a:ln>
               <a:noFill/>
             </a:ln>
@@ -8813,7 +8875,7 @@
           <a:buFontTx/>
           <a:buNone/>
           <a:tabLst/>
-          <a:defRPr b="0" baseline="0" cap="none" i="0" spc="0" strike="noStrike" sz="1800" u="none" kumimoji="0" normalizeH="0">
+          <a:defRPr kumimoji="0" sz="1800" b="0" i="0" u="none" strike="noStrike" cap="none" spc="0" normalizeH="0" baseline="0">
             <a:ln>
               <a:noFill/>
             </a:ln>
@@ -8839,7 +8901,7 @@
           <a:buFontTx/>
           <a:buNone/>
           <a:tabLst/>
-          <a:defRPr b="0" baseline="0" cap="none" i="0" spc="0" strike="noStrike" sz="1800" u="none" kumimoji="0" normalizeH="0">
+          <a:defRPr kumimoji="0" sz="1800" b="0" i="0" u="none" strike="noStrike" cap="none" spc="0" normalizeH="0" baseline="0">
             <a:ln>
               <a:noFill/>
             </a:ln>
@@ -8865,7 +8927,7 @@
           <a:buFontTx/>
           <a:buNone/>
           <a:tabLst/>
-          <a:defRPr b="0" baseline="0" cap="none" i="0" spc="0" strike="noStrike" sz="1800" u="none" kumimoji="0" normalizeH="0">
+          <a:defRPr kumimoji="0" sz="1800" b="0" i="0" u="none" strike="noStrike" cap="none" spc="0" normalizeH="0" baseline="0">
             <a:ln>
               <a:noFill/>
             </a:ln>
@@ -8891,7 +8953,7 @@
           <a:buFontTx/>
           <a:buNone/>
           <a:tabLst/>
-          <a:defRPr b="0" baseline="0" cap="none" i="0" spc="0" strike="noStrike" sz="1800" u="none" kumimoji="0" normalizeH="0">
+          <a:defRPr kumimoji="0" sz="1800" b="0" i="0" u="none" strike="noStrike" cap="none" spc="0" normalizeH="0" baseline="0">
             <a:ln>
               <a:noFill/>
             </a:ln>
@@ -8904,18 +8966,25 @@
         </a:lvl9pPr>
       </a:lstStyle>
       <a:style>
-        <a:lnRef idx="0"/>
-        <a:fillRef idx="0"/>
-        <a:effectRef idx="0"/>
+        <a:lnRef idx="0">
+          <a:scrgbClr r="0" g="0" b="0"/>
+        </a:lnRef>
+        <a:fillRef idx="0">
+          <a:scrgbClr r="0" g="0" b="0"/>
+        </a:fillRef>
+        <a:effectRef idx="0">
+          <a:scrgbClr r="0" g="0" b="0"/>
+        </a:effectRef>
         <a:fontRef idx="none"/>
       </a:style>
     </a:txDef>
   </a:objectDefaults>
+  <a:extraClrSchemeLst/>
 </a:theme>
 </file>
 
 <file path=ppt/theme/theme2.xml><?xml version="1.0" encoding="utf-8"?>
-<a:theme xmlns:a="http://schemas.openxmlformats.org/drawingml/2006/main" xmlns:r="http://schemas.openxmlformats.org/officeDocument/2006/relationships" name="Office">
+<a:theme xmlns:a="http://schemas.openxmlformats.org/drawingml/2006/main" name="Office">
   <a:themeElements>
     <a:clrScheme name="Office">
       <a:dk1>
@@ -9117,7 +9186,7 @@
         <a:effectLst/>
         <a:sp3d/>
       </a:spPr>
-      <a:bodyPr rot="0" spcFirstLastPara="1" vertOverflow="overflow" horzOverflow="overflow" vert="horz" wrap="square" lIns="45719" tIns="45719" rIns="45719" bIns="45719" numCol="1" spcCol="38100" rtlCol="0" anchor="ctr" upright="0">
+      <a:bodyPr rot="0" spcFirstLastPara="1" vertOverflow="overflow" horzOverflow="overflow" vert="horz" wrap="square" lIns="45719" tIns="45719" rIns="45719" bIns="45719" numCol="1" spcCol="38100" rtlCol="0" anchor="ctr">
         <a:spAutoFit/>
       </a:bodyPr>
       <a:lstStyle>
@@ -9136,7 +9205,7 @@
           <a:buFontTx/>
           <a:buNone/>
           <a:tabLst/>
-          <a:defRPr b="0" baseline="0" cap="none" i="0" spc="0" strike="noStrike" sz="1800" u="none" kumimoji="0" normalizeH="0">
+          <a:defRPr kumimoji="0" sz="1800" b="0" i="0" u="none" strike="noStrike" cap="none" spc="0" normalizeH="0" baseline="0">
             <a:ln>
               <a:noFill/>
             </a:ln>
@@ -9166,7 +9235,7 @@
           <a:buFontTx/>
           <a:buNone/>
           <a:tabLst/>
-          <a:defRPr b="0" baseline="0" cap="none" i="0" spc="0" strike="noStrike" sz="1800" u="none" kumimoji="0" normalizeH="0">
+          <a:defRPr kumimoji="0" sz="1800" b="0" i="0" u="none" strike="noStrike" cap="none" spc="0" normalizeH="0" baseline="0">
             <a:ln>
               <a:noFill/>
             </a:ln>
@@ -9192,7 +9261,7 @@
           <a:buFontTx/>
           <a:buNone/>
           <a:tabLst/>
-          <a:defRPr b="0" baseline="0" cap="none" i="0" spc="0" strike="noStrike" sz="1800" u="none" kumimoji="0" normalizeH="0">
+          <a:defRPr kumimoji="0" sz="1800" b="0" i="0" u="none" strike="noStrike" cap="none" spc="0" normalizeH="0" baseline="0">
             <a:ln>
               <a:noFill/>
             </a:ln>
@@ -9218,7 +9287,7 @@
           <a:buFontTx/>
           <a:buNone/>
           <a:tabLst/>
-          <a:defRPr b="0" baseline="0" cap="none" i="0" spc="0" strike="noStrike" sz="1800" u="none" kumimoji="0" normalizeH="0">
+          <a:defRPr kumimoji="0" sz="1800" b="0" i="0" u="none" strike="noStrike" cap="none" spc="0" normalizeH="0" baseline="0">
             <a:ln>
               <a:noFill/>
             </a:ln>
@@ -9244,7 +9313,7 @@
           <a:buFontTx/>
           <a:buNone/>
           <a:tabLst/>
-          <a:defRPr b="0" baseline="0" cap="none" i="0" spc="0" strike="noStrike" sz="1800" u="none" kumimoji="0" normalizeH="0">
+          <a:defRPr kumimoji="0" sz="1800" b="0" i="0" u="none" strike="noStrike" cap="none" spc="0" normalizeH="0" baseline="0">
             <a:ln>
               <a:noFill/>
             </a:ln>
@@ -9270,7 +9339,7 @@
           <a:buFontTx/>
           <a:buNone/>
           <a:tabLst/>
-          <a:defRPr b="0" baseline="0" cap="none" i="0" spc="0" strike="noStrike" sz="1800" u="none" kumimoji="0" normalizeH="0">
+          <a:defRPr kumimoji="0" sz="1800" b="0" i="0" u="none" strike="noStrike" cap="none" spc="0" normalizeH="0" baseline="0">
             <a:ln>
               <a:noFill/>
             </a:ln>
@@ -9296,7 +9365,7 @@
           <a:buFontTx/>
           <a:buNone/>
           <a:tabLst/>
-          <a:defRPr b="0" baseline="0" cap="none" i="0" spc="0" strike="noStrike" sz="1800" u="none" kumimoji="0" normalizeH="0">
+          <a:defRPr kumimoji="0" sz="1800" b="0" i="0" u="none" strike="noStrike" cap="none" spc="0" normalizeH="0" baseline="0">
             <a:ln>
               <a:noFill/>
             </a:ln>
@@ -9322,7 +9391,7 @@
           <a:buFontTx/>
           <a:buNone/>
           <a:tabLst/>
-          <a:defRPr b="0" baseline="0" cap="none" i="0" spc="0" strike="noStrike" sz="1800" u="none" kumimoji="0" normalizeH="0">
+          <a:defRPr kumimoji="0" sz="1800" b="0" i="0" u="none" strike="noStrike" cap="none" spc="0" normalizeH="0" baseline="0">
             <a:ln>
               <a:noFill/>
             </a:ln>
@@ -9348,7 +9417,7 @@
           <a:buFontTx/>
           <a:buNone/>
           <a:tabLst/>
-          <a:defRPr b="0" baseline="0" cap="none" i="0" spc="0" strike="noStrike" sz="1800" u="none" kumimoji="0" normalizeH="0">
+          <a:defRPr kumimoji="0" sz="1800" b="0" i="0" u="none" strike="noStrike" cap="none" spc="0" normalizeH="0" baseline="0">
             <a:ln>
               <a:noFill/>
             </a:ln>
@@ -9374,7 +9443,7 @@
           <a:buFontTx/>
           <a:buNone/>
           <a:tabLst/>
-          <a:defRPr b="0" baseline="0" cap="none" i="0" spc="0" strike="noStrike" sz="1800" u="none" kumimoji="0" normalizeH="0">
+          <a:defRPr kumimoji="0" sz="1800" b="0" i="0" u="none" strike="noStrike" cap="none" spc="0" normalizeH="0" baseline="0">
             <a:ln>
               <a:noFill/>
             </a:ln>
@@ -9387,9 +9456,15 @@
         </a:lvl9pPr>
       </a:lstStyle>
       <a:style>
-        <a:lnRef idx="0"/>
-        <a:fillRef idx="0"/>
-        <a:effectRef idx="0"/>
+        <a:lnRef idx="0">
+          <a:scrgbClr r="0" g="0" b="0"/>
+        </a:lnRef>
+        <a:fillRef idx="0">
+          <a:scrgbClr r="0" g="0" b="0"/>
+        </a:fillRef>
+        <a:effectRef idx="0">
+          <a:scrgbClr r="0" g="0" b="0"/>
+        </a:effectRef>
         <a:fontRef idx="none"/>
       </a:style>
     </a:spDef>
@@ -9406,7 +9481,7 @@
         <a:effectLst/>
         <a:sp3d/>
       </a:spPr>
-      <a:bodyPr rot="0" spcFirstLastPara="1" vertOverflow="overflow" horzOverflow="overflow" vert="horz" wrap="square" lIns="91439" tIns="45719" rIns="91439" bIns="45719" numCol="1" spcCol="38100" rtlCol="0" anchor="t" upright="0">
+      <a:bodyPr rot="0" spcFirstLastPara="1" vertOverflow="overflow" horzOverflow="overflow" vert="horz" wrap="square" lIns="91439" tIns="45719" rIns="91439" bIns="45719" numCol="1" spcCol="38100" rtlCol="0" anchor="t">
         <a:noAutofit/>
       </a:bodyPr>
       <a:lstStyle>
@@ -9425,7 +9500,7 @@
           <a:buFontTx/>
           <a:buNone/>
           <a:tabLst/>
-          <a:defRPr b="0" baseline="0" cap="none" i="0" spc="0" strike="noStrike" sz="1800" u="none" kumimoji="0" normalizeH="0">
+          <a:defRPr kumimoji="0" sz="1800" b="0" i="0" u="none" strike="noStrike" cap="none" spc="0" normalizeH="0" baseline="0">
             <a:ln>
               <a:noFill/>
             </a:ln>
@@ -9451,7 +9526,7 @@
           <a:buFontTx/>
           <a:buNone/>
           <a:tabLst/>
-          <a:defRPr b="0" baseline="0" cap="none" i="0" spc="0" strike="noStrike" sz="1800" u="none" kumimoji="0" normalizeH="0">
+          <a:defRPr kumimoji="0" sz="1800" b="0" i="0" u="none" strike="noStrike" cap="none" spc="0" normalizeH="0" baseline="0">
             <a:ln>
               <a:noFill/>
             </a:ln>
@@ -9477,7 +9552,7 @@
           <a:buFontTx/>
           <a:buNone/>
           <a:tabLst/>
-          <a:defRPr b="0" baseline="0" cap="none" i="0" spc="0" strike="noStrike" sz="1800" u="none" kumimoji="0" normalizeH="0">
+          <a:defRPr kumimoji="0" sz="1800" b="0" i="0" u="none" strike="noStrike" cap="none" spc="0" normalizeH="0" baseline="0">
             <a:ln>
               <a:noFill/>
             </a:ln>
@@ -9503,7 +9578,7 @@
           <a:buFontTx/>
           <a:buNone/>
           <a:tabLst/>
-          <a:defRPr b="0" baseline="0" cap="none" i="0" spc="0" strike="noStrike" sz="1800" u="none" kumimoji="0" normalizeH="0">
+          <a:defRPr kumimoji="0" sz="1800" b="0" i="0" u="none" strike="noStrike" cap="none" spc="0" normalizeH="0" baseline="0">
             <a:ln>
               <a:noFill/>
             </a:ln>
@@ -9529,7 +9604,7 @@
           <a:buFontTx/>
           <a:buNone/>
           <a:tabLst/>
-          <a:defRPr b="0" baseline="0" cap="none" i="0" spc="0" strike="noStrike" sz="1800" u="none" kumimoji="0" normalizeH="0">
+          <a:defRPr kumimoji="0" sz="1800" b="0" i="0" u="none" strike="noStrike" cap="none" spc="0" normalizeH="0" baseline="0">
             <a:ln>
               <a:noFill/>
             </a:ln>
@@ -9555,7 +9630,7 @@
           <a:buFontTx/>
           <a:buNone/>
           <a:tabLst/>
-          <a:defRPr b="0" baseline="0" cap="none" i="0" spc="0" strike="noStrike" sz="1800" u="none" kumimoji="0" normalizeH="0">
+          <a:defRPr kumimoji="0" sz="1800" b="0" i="0" u="none" strike="noStrike" cap="none" spc="0" normalizeH="0" baseline="0">
             <a:ln>
               <a:noFill/>
             </a:ln>
@@ -9581,7 +9656,7 @@
           <a:buFontTx/>
           <a:buNone/>
           <a:tabLst/>
-          <a:defRPr b="0" baseline="0" cap="none" i="0" spc="0" strike="noStrike" sz="1800" u="none" kumimoji="0" normalizeH="0">
+          <a:defRPr kumimoji="0" sz="1800" b="0" i="0" u="none" strike="noStrike" cap="none" spc="0" normalizeH="0" baseline="0">
             <a:ln>
               <a:noFill/>
             </a:ln>
@@ -9607,7 +9682,7 @@
           <a:buFontTx/>
           <a:buNone/>
           <a:tabLst/>
-          <a:defRPr b="0" baseline="0" cap="none" i="0" spc="0" strike="noStrike" sz="1800" u="none" kumimoji="0" normalizeH="0">
+          <a:defRPr kumimoji="0" sz="1800" b="0" i="0" u="none" strike="noStrike" cap="none" spc="0" normalizeH="0" baseline="0">
             <a:ln>
               <a:noFill/>
             </a:ln>
@@ -9633,7 +9708,7 @@
           <a:buFontTx/>
           <a:buNone/>
           <a:tabLst/>
-          <a:defRPr b="0" baseline="0" cap="none" i="0" spc="0" strike="noStrike" sz="1800" u="none" kumimoji="0" normalizeH="0">
+          <a:defRPr kumimoji="0" sz="1800" b="0" i="0" u="none" strike="noStrike" cap="none" spc="0" normalizeH="0" baseline="0">
             <a:ln>
               <a:noFill/>
             </a:ln>
@@ -9659,7 +9734,7 @@
           <a:buFontTx/>
           <a:buNone/>
           <a:tabLst/>
-          <a:defRPr b="0" baseline="0" cap="none" i="0" spc="0" strike="noStrike" sz="1800" u="none" kumimoji="0" normalizeH="0">
+          <a:defRPr kumimoji="0" sz="1800" b="0" i="0" u="none" strike="noStrike" cap="none" spc="0" normalizeH="0" baseline="0">
             <a:ln>
               <a:noFill/>
             </a:ln>
@@ -9672,9 +9747,15 @@
         </a:lvl9pPr>
       </a:lstStyle>
       <a:style>
-        <a:lnRef idx="0"/>
-        <a:fillRef idx="0"/>
-        <a:effectRef idx="0"/>
+        <a:lnRef idx="0">
+          <a:scrgbClr r="0" g="0" b="0"/>
+        </a:lnRef>
+        <a:fillRef idx="0">
+          <a:scrgbClr r="0" g="0" b="0"/>
+        </a:fillRef>
+        <a:effectRef idx="0">
+          <a:scrgbClr r="0" g="0" b="0"/>
+        </a:effectRef>
         <a:fontRef idx="none"/>
       </a:style>
     </a:lnDef>
@@ -9688,7 +9769,7 @@
         <a:effectLst/>
         <a:sp3d/>
       </a:spPr>
-      <a:bodyPr rot="0" spcFirstLastPara="1" vertOverflow="overflow" horzOverflow="overflow" vert="horz" wrap="square" lIns="45719" tIns="45719" rIns="45719" bIns="45719" numCol="1" spcCol="38100" rtlCol="0" anchor="t" upright="0">
+      <a:bodyPr rot="0" spcFirstLastPara="1" vertOverflow="overflow" horzOverflow="overflow" vert="horz" wrap="square" lIns="45719" tIns="45719" rIns="45719" bIns="45719" numCol="1" spcCol="38100" rtlCol="0" anchor="t">
         <a:spAutoFit/>
       </a:bodyPr>
       <a:lstStyle>
@@ -9707,7 +9788,7 @@
           <a:buFontTx/>
           <a:buNone/>
           <a:tabLst/>
-          <a:defRPr b="0" baseline="0" cap="none" i="0" spc="0" strike="noStrike" sz="1800" u="none" kumimoji="0" normalizeH="0">
+          <a:defRPr kumimoji="0" sz="1800" b="0" i="0" u="none" strike="noStrike" cap="none" spc="0" normalizeH="0" baseline="0">
             <a:ln>
               <a:noFill/>
             </a:ln>
@@ -9737,7 +9818,7 @@
           <a:buFontTx/>
           <a:buNone/>
           <a:tabLst/>
-          <a:defRPr b="0" baseline="0" cap="none" i="0" spc="0" strike="noStrike" sz="1800" u="none" kumimoji="0" normalizeH="0">
+          <a:defRPr kumimoji="0" sz="1800" b="0" i="0" u="none" strike="noStrike" cap="none" spc="0" normalizeH="0" baseline="0">
             <a:ln>
               <a:noFill/>
             </a:ln>
@@ -9763,7 +9844,7 @@
           <a:buFontTx/>
           <a:buNone/>
           <a:tabLst/>
-          <a:defRPr b="0" baseline="0" cap="none" i="0" spc="0" strike="noStrike" sz="1800" u="none" kumimoji="0" normalizeH="0">
+          <a:defRPr kumimoji="0" sz="1800" b="0" i="0" u="none" strike="noStrike" cap="none" spc="0" normalizeH="0" baseline="0">
             <a:ln>
               <a:noFill/>
             </a:ln>
@@ -9789,7 +9870,7 @@
           <a:buFontTx/>
           <a:buNone/>
           <a:tabLst/>
-          <a:defRPr b="0" baseline="0" cap="none" i="0" spc="0" strike="noStrike" sz="1800" u="none" kumimoji="0" normalizeH="0">
+          <a:defRPr kumimoji="0" sz="1800" b="0" i="0" u="none" strike="noStrike" cap="none" spc="0" normalizeH="0" baseline="0">
             <a:ln>
               <a:noFill/>
             </a:ln>
@@ -9815,7 +9896,7 @@
           <a:buFontTx/>
           <a:buNone/>
           <a:tabLst/>
-          <a:defRPr b="0" baseline="0" cap="none" i="0" spc="0" strike="noStrike" sz="1800" u="none" kumimoji="0" normalizeH="0">
+          <a:defRPr kumimoji="0" sz="1800" b="0" i="0" u="none" strike="noStrike" cap="none" spc="0" normalizeH="0" baseline="0">
             <a:ln>
               <a:noFill/>
             </a:ln>
@@ -9841,7 +9922,7 @@
           <a:buFontTx/>
           <a:buNone/>
           <a:tabLst/>
-          <a:defRPr b="0" baseline="0" cap="none" i="0" spc="0" strike="noStrike" sz="1800" u="none" kumimoji="0" normalizeH="0">
+          <a:defRPr kumimoji="0" sz="1800" b="0" i="0" u="none" strike="noStrike" cap="none" spc="0" normalizeH="0" baseline="0">
             <a:ln>
               <a:noFill/>
             </a:ln>
@@ -9867,7 +9948,7 @@
           <a:buFontTx/>
           <a:buNone/>
           <a:tabLst/>
-          <a:defRPr b="0" baseline="0" cap="none" i="0" spc="0" strike="noStrike" sz="1800" u="none" kumimoji="0" normalizeH="0">
+          <a:defRPr kumimoji="0" sz="1800" b="0" i="0" u="none" strike="noStrike" cap="none" spc="0" normalizeH="0" baseline="0">
             <a:ln>
               <a:noFill/>
             </a:ln>
@@ -9893,7 +9974,7 @@
           <a:buFontTx/>
           <a:buNone/>
           <a:tabLst/>
-          <a:defRPr b="0" baseline="0" cap="none" i="0" spc="0" strike="noStrike" sz="1800" u="none" kumimoji="0" normalizeH="0">
+          <a:defRPr kumimoji="0" sz="1800" b="0" i="0" u="none" strike="noStrike" cap="none" spc="0" normalizeH="0" baseline="0">
             <a:ln>
               <a:noFill/>
             </a:ln>
@@ -9919,7 +10000,7 @@
           <a:buFontTx/>
           <a:buNone/>
           <a:tabLst/>
-          <a:defRPr b="0" baseline="0" cap="none" i="0" spc="0" strike="noStrike" sz="1800" u="none" kumimoji="0" normalizeH="0">
+          <a:defRPr kumimoji="0" sz="1800" b="0" i="0" u="none" strike="noStrike" cap="none" spc="0" normalizeH="0" baseline="0">
             <a:ln>
               <a:noFill/>
             </a:ln>
@@ -9945,7 +10026,7 @@
           <a:buFontTx/>
           <a:buNone/>
           <a:tabLst/>
-          <a:defRPr b="0" baseline="0" cap="none" i="0" spc="0" strike="noStrike" sz="1800" u="none" kumimoji="0" normalizeH="0">
+          <a:defRPr kumimoji="0" sz="1800" b="0" i="0" u="none" strike="noStrike" cap="none" spc="0" normalizeH="0" baseline="0">
             <a:ln>
               <a:noFill/>
             </a:ln>
@@ -9958,12 +10039,19 @@
         </a:lvl9pPr>
       </a:lstStyle>
       <a:style>
-        <a:lnRef idx="0"/>
-        <a:fillRef idx="0"/>
-        <a:effectRef idx="0"/>
+        <a:lnRef idx="0">
+          <a:scrgbClr r="0" g="0" b="0"/>
+        </a:lnRef>
+        <a:fillRef idx="0">
+          <a:scrgbClr r="0" g="0" b="0"/>
+        </a:fillRef>
+        <a:effectRef idx="0">
+          <a:scrgbClr r="0" g="0" b="0"/>
+        </a:effectRef>
         <a:fontRef idx="none"/>
       </a:style>
     </a:txDef>
   </a:objectDefaults>
+  <a:extraClrSchemeLst/>
 </a:theme>
 </file>